--- a/答辩报告.pptx
+++ b/答辩报告.pptx
@@ -16,6 +16,14 @@
     <p:sldId id="261" r:id="rId13"/>
     <p:sldId id="262" r:id="rId14"/>
     <p:sldId id="263" r:id="rId15"/>
+    <p:sldId id="264" r:id="rId16"/>
+    <p:sldId id="265" r:id="rId17"/>
+    <p:sldId id="266" r:id="rId18"/>
+    <p:sldId id="267" r:id="rId19"/>
+    <p:sldId id="268" r:id="rId20"/>
+    <p:sldId id="269" r:id="rId21"/>
+    <p:sldId id="270" r:id="rId22"/>
+    <p:sldId id="271" r:id="rId23"/>
   </p:sldIdLst>
   <p:sldSz cx="24384000" cy="13716000"/>
   <p:notesSz cx="6858000" cy="9144000"/>
@@ -343,7 +351,7 @@
       </p:grpSpPr>
       <p:sp>
         <p:nvSpPr>
-          <p:cNvPr id="148" name="Shape 148"/>
+          <p:cNvPr id="157" name="Shape 157"/>
           <p:cNvSpPr/>
           <p:nvPr>
             <p:ph type="sldImg"/>
@@ -368,7 +376,7 @@
       </p:sp>
       <p:sp>
         <p:nvSpPr>
-          <p:cNvPr id="149" name="Shape 149"/>
+          <p:cNvPr id="158" name="Shape 158"/>
           <p:cNvSpPr/>
           <p:nvPr>
             <p:ph type="body" sz="quarter" idx="1"/>
@@ -1569,6 +1577,228 @@
 </p:sldLayout>
 </file>
 
+<file path=ppt/slideLayouts/slideLayout16.xml><?xml version="1.0" encoding="utf-8"?>
+<p:sldLayout xmlns:a="http://schemas.openxmlformats.org/drawingml/2006/main" xmlns:r="http://schemas.openxmlformats.org/officeDocument/2006/relationships" xmlns:p="http://schemas.openxmlformats.org/presentationml/2006/main" xmlns:m="http://schemas.openxmlformats.org/officeDocument/2006/math" xmlns:a14="http://schemas.microsoft.com/office/drawing/2010/main" type="tx" showMasterSp="1" showMasterPhAnim="1">
+  <p:cSld name="标题幻灯片">
+    <p:spTree>
+      <p:nvGrpSpPr>
+        <p:cNvPr id="1" name=""/>
+        <p:cNvGrpSpPr/>
+        <p:nvPr/>
+      </p:nvGrpSpPr>
+      <p:grpSpPr>
+        <a:xfrm>
+          <a:off x="0" y="0"/>
+          <a:ext cx="0" cy="0"/>
+          <a:chOff x="0" y="0"/>
+          <a:chExt cx="0" cy="0"/>
+        </a:xfrm>
+      </p:grpSpPr>
+      <p:sp>
+        <p:nvSpPr>
+          <p:cNvPr id="149" name="标题文本"/>
+          <p:cNvSpPr txBox="1"/>
+          <p:nvPr>
+            <p:ph type="title"/>
+          </p:nvPr>
+        </p:nvSpPr>
+        <p:spPr>
+          <a:xfrm>
+            <a:off x="3048000" y="2244725"/>
+            <a:ext cx="18288000" cy="4775201"/>
+          </a:xfrm>
+          <a:prstGeom prst="rect">
+            <a:avLst/>
+          </a:prstGeom>
+        </p:spPr>
+        <p:txBody>
+          <a:bodyPr lIns="91439" tIns="91439" rIns="91439" bIns="91439" anchor="b"/>
+          <a:lstStyle>
+            <a:lvl1pPr algn="ctr" defTabSz="1828800">
+              <a:lnSpc>
+                <a:spcPct val="90000"/>
+              </a:lnSpc>
+              <a:defRPr b="0" spc="0" sz="12000">
+                <a:latin typeface="等线 Light"/>
+                <a:ea typeface="等线 Light"/>
+                <a:cs typeface="等线 Light"/>
+                <a:sym typeface="等线 Light"/>
+              </a:defRPr>
+            </a:lvl1pPr>
+          </a:lstStyle>
+          <a:p>
+            <a:pPr/>
+            <a:r>
+              <a:t>标题文本</a:t>
+            </a:r>
+          </a:p>
+        </p:txBody>
+      </p:sp>
+      <p:sp>
+        <p:nvSpPr>
+          <p:cNvPr id="150" name="正文级别 1…"/>
+          <p:cNvSpPr txBox="1"/>
+          <p:nvPr>
+            <p:ph type="body" sz="quarter" idx="1"/>
+          </p:nvPr>
+        </p:nvSpPr>
+        <p:spPr>
+          <a:xfrm>
+            <a:off x="3048000" y="7204075"/>
+            <a:ext cx="18288000" cy="3311525"/>
+          </a:xfrm>
+          <a:prstGeom prst="rect">
+            <a:avLst/>
+          </a:prstGeom>
+        </p:spPr>
+        <p:txBody>
+          <a:bodyPr lIns="91439" tIns="91439" rIns="91439" bIns="91439"/>
+          <a:lstStyle>
+            <a:lvl1pPr marL="0" indent="0" algn="ctr" defTabSz="1828800">
+              <a:spcBef>
+                <a:spcPts val="2000"/>
+              </a:spcBef>
+              <a:buSzTx/>
+              <a:buNone/>
+              <a:defRPr>
+                <a:latin typeface="等线"/>
+                <a:ea typeface="等线"/>
+                <a:cs typeface="等线"/>
+                <a:sym typeface="等线"/>
+              </a:defRPr>
+            </a:lvl1pPr>
+            <a:lvl2pPr marL="0" indent="457200" algn="ctr" defTabSz="1828800">
+              <a:spcBef>
+                <a:spcPts val="2000"/>
+              </a:spcBef>
+              <a:buSzTx/>
+              <a:buNone/>
+              <a:defRPr>
+                <a:latin typeface="等线"/>
+                <a:ea typeface="等线"/>
+                <a:cs typeface="等线"/>
+                <a:sym typeface="等线"/>
+              </a:defRPr>
+            </a:lvl2pPr>
+            <a:lvl3pPr marL="0" indent="914400" algn="ctr" defTabSz="1828800">
+              <a:spcBef>
+                <a:spcPts val="2000"/>
+              </a:spcBef>
+              <a:buSzTx/>
+              <a:buNone/>
+              <a:defRPr>
+                <a:latin typeface="等线"/>
+                <a:ea typeface="等线"/>
+                <a:cs typeface="等线"/>
+                <a:sym typeface="等线"/>
+              </a:defRPr>
+            </a:lvl3pPr>
+            <a:lvl4pPr marL="0" indent="1371600" algn="ctr" defTabSz="1828800">
+              <a:spcBef>
+                <a:spcPts val="2000"/>
+              </a:spcBef>
+              <a:buSzTx/>
+              <a:buNone/>
+              <a:defRPr>
+                <a:latin typeface="等线"/>
+                <a:ea typeface="等线"/>
+                <a:cs typeface="等线"/>
+                <a:sym typeface="等线"/>
+              </a:defRPr>
+            </a:lvl4pPr>
+            <a:lvl5pPr marL="0" indent="1828800" algn="ctr" defTabSz="1828800">
+              <a:spcBef>
+                <a:spcPts val="2000"/>
+              </a:spcBef>
+              <a:buSzTx/>
+              <a:buNone/>
+              <a:defRPr>
+                <a:latin typeface="等线"/>
+                <a:ea typeface="等线"/>
+                <a:cs typeface="等线"/>
+                <a:sym typeface="等线"/>
+              </a:defRPr>
+            </a:lvl5pPr>
+          </a:lstStyle>
+          <a:p>
+            <a:pPr/>
+            <a:r>
+              <a:t>正文级别 1</a:t>
+            </a:r>
+          </a:p>
+          <a:p>
+            <a:pPr lvl="1"/>
+            <a:r>
+              <a:t>正文级别 2</a:t>
+            </a:r>
+          </a:p>
+          <a:p>
+            <a:pPr lvl="2"/>
+            <a:r>
+              <a:t>正文级别 3</a:t>
+            </a:r>
+          </a:p>
+          <a:p>
+            <a:pPr lvl="3"/>
+            <a:r>
+              <a:t>正文级别 4</a:t>
+            </a:r>
+          </a:p>
+          <a:p>
+            <a:pPr lvl="4"/>
+            <a:r>
+              <a:t>正文级别 5</a:t>
+            </a:r>
+          </a:p>
+        </p:txBody>
+      </p:sp>
+      <p:sp>
+        <p:nvSpPr>
+          <p:cNvPr id="151" name="幻灯片编号"/>
+          <p:cNvSpPr txBox="1"/>
+          <p:nvPr>
+            <p:ph type="sldNum" sz="quarter" idx="2"/>
+          </p:nvPr>
+        </p:nvSpPr>
+        <p:spPr>
+          <a:xfrm>
+            <a:off x="22172989" y="12802235"/>
+            <a:ext cx="534611" cy="551181"/>
+          </a:xfrm>
+          <a:prstGeom prst="rect">
+            <a:avLst/>
+          </a:prstGeom>
+        </p:spPr>
+        <p:txBody>
+          <a:bodyPr lIns="91439" tIns="91439" rIns="91439" bIns="91439" anchor="ctr"/>
+          <a:lstStyle>
+            <a:lvl1pPr algn="r" defTabSz="1828800">
+              <a:defRPr sz="2400">
+                <a:solidFill>
+                  <a:srgbClr val="888888"/>
+                </a:solidFill>
+                <a:latin typeface="等线"/>
+                <a:ea typeface="等线"/>
+                <a:cs typeface="等线"/>
+                <a:sym typeface="等线"/>
+              </a:defRPr>
+            </a:lvl1pPr>
+          </a:lstStyle>
+          <a:p>
+            <a:pPr/>
+            <a:fld id="{86CB4B4D-7CA3-9044-876B-883B54F8677D}" type="slidenum"/>
+          </a:p>
+        </p:txBody>
+      </p:sp>
+    </p:spTree>
+  </p:cSld>
+  <p:clrMapOvr>
+    <a:masterClrMapping/>
+  </p:clrMapOvr>
+  <p:transition xmlns:p14="http://schemas.microsoft.com/office/powerpoint/2010/main" spd="med" advClick="1"/>
+</p:sldLayout>
+</file>
+
 <file path=ppt/slideLayouts/slideLayout2.xml><?xml version="1.0" encoding="utf-8"?>
 <p:sldLayout xmlns:a="http://schemas.openxmlformats.org/drawingml/2006/main" xmlns:r="http://schemas.openxmlformats.org/officeDocument/2006/relationships" xmlns:p="http://schemas.openxmlformats.org/presentationml/2006/main" xmlns:m="http://schemas.openxmlformats.org/officeDocument/2006/math" xmlns:a14="http://schemas.microsoft.com/office/drawing/2010/main" type="tx" showMasterSp="1" showMasterPhAnim="1">
   <p:cSld name="标题与照片">
@@ -3097,6 +3327,7 @@
     <p:sldLayoutId id="2147483661" r:id="rId14"/>
     <p:sldLayoutId id="2147483662" r:id="rId15"/>
     <p:sldLayoutId id="2147483663" r:id="rId16"/>
+    <p:sldLayoutId id="2147483664" r:id="rId17"/>
   </p:sldLayoutIdLst>
   <p:transition xmlns:p14="http://schemas.microsoft.com/office/powerpoint/2010/main" spd="med" advClick="1"/>
   <p:txStyles>
@@ -3831,7 +4062,7 @@
       </p:grpSpPr>
       <p:sp>
         <p:nvSpPr>
-          <p:cNvPr id="151" name="程序设计与算法大作业"/>
+          <p:cNvPr id="160" name="程序设计与算法大作业"/>
           <p:cNvSpPr txBox="1"/>
           <p:nvPr>
             <p:ph type="ctrTitle"/>
@@ -3839,8 +4070,8 @@
         </p:nvSpPr>
         <p:spPr>
           <a:xfrm>
-            <a:off x="1727826" y="3759830"/>
-            <a:ext cx="21971004" cy="4648201"/>
+            <a:off x="0" y="3810000"/>
+            <a:ext cx="24384000" cy="4445000"/>
           </a:xfrm>
           <a:prstGeom prst="rect">
             <a:avLst/>
@@ -3861,14 +4092,14 @@
       </p:sp>
       <p:sp>
         <p:nvSpPr>
-          <p:cNvPr id="152" name="排序算法"/>
+          <p:cNvPr id="161" name="排序算法"/>
           <p:cNvSpPr txBox="1"/>
           <p:nvPr/>
         </p:nvSpPr>
         <p:spPr>
           <a:xfrm>
-            <a:off x="15787414" y="8892369"/>
-            <a:ext cx="8048909" cy="812801"/>
+            <a:off x="15240000" y="8890000"/>
+            <a:ext cx="8890000" cy="1168400"/>
           </a:xfrm>
           <a:prstGeom prst="rect">
             <a:avLst/>
@@ -3888,10 +4119,14 @@
           </a:bodyPr>
           <a:lstStyle>
             <a:lvl1pPr>
-              <a:defRPr sz="4000">
+              <a:defRPr sz="6000">
                 <a:solidFill>
                   <a:srgbClr val="000000"/>
                 </a:solidFill>
+                <a:latin typeface="Helvetica Neue Medium"/>
+                <a:ea typeface="Helvetica Neue Medium"/>
+                <a:cs typeface="Helvetica Neue Medium"/>
+                <a:sym typeface="Helvetica Neue Medium"/>
               </a:defRPr>
             </a:lvl1pPr>
           </a:lstStyle>
@@ -3903,6 +4138,1394 @@
           </a:p>
         </p:txBody>
       </p:sp>
+    </p:spTree>
+  </p:cSld>
+  <p:clrMapOvr>
+    <a:masterClrMapping/>
+  </p:clrMapOvr>
+  <p:transition xmlns:p14="http://schemas.microsoft.com/office/powerpoint/2010/main" spd="med" advClick="1"/>
+</p:sld>
+</file>
+
+<file path=ppt/slides/slide10.xml><?xml version="1.0" encoding="utf-8"?>
+<p:sld xmlns:a="http://schemas.openxmlformats.org/drawingml/2006/main" xmlns:r="http://schemas.openxmlformats.org/officeDocument/2006/relationships" xmlns:p="http://schemas.openxmlformats.org/presentationml/2006/main" xmlns:m="http://schemas.openxmlformats.org/officeDocument/2006/math" xmlns:a14="http://schemas.microsoft.com/office/drawing/2010/main" showMasterSp="1" showMasterPhAnim="1">
+  <p:cSld>
+    <p:spTree>
+      <p:nvGrpSpPr>
+        <p:cNvPr id="1" name=""/>
+        <p:cNvGrpSpPr/>
+        <p:nvPr/>
+      </p:nvGrpSpPr>
+      <p:grpSpPr>
+        <a:xfrm>
+          <a:off x="0" y="0"/>
+          <a:ext cx="0" cy="0"/>
+          <a:chOff x="0" y="0"/>
+          <a:chExt cx="0" cy="0"/>
+        </a:xfrm>
+      </p:grpSpPr>
+      <p:sp>
+        <p:nvSpPr>
+          <p:cNvPr id="189" name="3.1、创建大数数组"/>
+          <p:cNvSpPr txBox="1"/>
+          <p:nvPr>
+            <p:ph type="title" idx="4294967295"/>
+          </p:nvPr>
+        </p:nvSpPr>
+        <p:spPr>
+          <a:xfrm>
+            <a:off x="0" y="0"/>
+            <a:ext cx="24384000" cy="1900176"/>
+          </a:xfrm>
+          <a:prstGeom prst="rect">
+            <a:avLst/>
+          </a:prstGeom>
+        </p:spPr>
+        <p:txBody>
+          <a:bodyPr lIns="45719" tIns="45719" rIns="45719" bIns="45719" anchor="ctr"/>
+          <a:lstStyle>
+            <a:lvl1pPr algn="ctr" defTabSz="914400">
+              <a:lnSpc>
+                <a:spcPct val="90000"/>
+              </a:lnSpc>
+              <a:defRPr b="0" spc="0" sz="7000">
+                <a:latin typeface="Helvetica Neue Medium"/>
+                <a:ea typeface="Helvetica Neue Medium"/>
+                <a:cs typeface="Helvetica Neue Medium"/>
+                <a:sym typeface="Helvetica Neue Medium"/>
+              </a:defRPr>
+            </a:lvl1pPr>
+          </a:lstStyle>
+          <a:p>
+            <a:pPr/>
+            <a:r>
+              <a:t>3.1、创建大数数组</a:t>
+            </a:r>
+          </a:p>
+        </p:txBody>
+      </p:sp>
+      <p:sp>
+        <p:nvSpPr>
+          <p:cNvPr id="190" name="用一个len*size的二维数组存储所有的大数，表示有len个数，每个数最大为size位。将两个随机数转化为字符串后将其拼接起来，即成为一个由字符串来表示的大数，该大数最大可表示10^size-1。此处size设为1000，满足题目要求。"/>
+          <p:cNvSpPr txBox="1"/>
+          <p:nvPr>
+            <p:ph type="body" sz="half" idx="4294967295"/>
+          </p:nvPr>
+        </p:nvSpPr>
+        <p:spPr>
+          <a:xfrm>
+            <a:off x="1270000" y="2539999"/>
+            <a:ext cx="10160001" cy="7620001"/>
+          </a:xfrm>
+          <a:prstGeom prst="rect">
+            <a:avLst/>
+          </a:prstGeom>
+        </p:spPr>
+        <p:txBody>
+          <a:bodyPr lIns="45719" tIns="45719" rIns="45719" bIns="45719"/>
+          <a:lstStyle/>
+          <a:p>
+            <a:pPr marL="0" indent="0" defTabSz="914400">
+              <a:lnSpc>
+                <a:spcPct val="150000"/>
+              </a:lnSpc>
+              <a:spcBef>
+                <a:spcPts val="500"/>
+              </a:spcBef>
+              <a:buSzTx/>
+              <a:buNone/>
+              <a:defRPr sz="5000">
+                <a:latin typeface="SimSong Regular"/>
+                <a:ea typeface="SimSong Regular"/>
+                <a:cs typeface="SimSong Regular"/>
+                <a:sym typeface="SimSong Regular"/>
+              </a:defRPr>
+            </a:pPr>
+            <a:r>
+              <a:t>用一个</a:t>
+            </a:r>
+            <a:r>
+              <a:t>len*size</a:t>
+            </a:r>
+            <a:r>
+              <a:t>的二维数组存储所有的大数，表示有</a:t>
+            </a:r>
+            <a:r>
+              <a:t>len</a:t>
+            </a:r>
+            <a:r>
+              <a:t>个数，每个数最大为</a:t>
+            </a:r>
+            <a:r>
+              <a:t>size</a:t>
+            </a:r>
+            <a:r>
+              <a:t>位。将两个随机数转化为字符串后将其拼接起来，即成为一个由字符串来表示的大数，该大数最大可表示</a:t>
+            </a:r>
+            <a:r>
+              <a:t>10^size-1</a:t>
+            </a:r>
+            <a:r>
+              <a:t>。此处</a:t>
+            </a:r>
+            <a:r>
+              <a:t>size</a:t>
+            </a:r>
+            <a:r>
+              <a:t>设为</a:t>
+            </a:r>
+            <a:r>
+              <a:t>1000</a:t>
+            </a:r>
+            <a:r>
+              <a:t>，满足题目要求。</a:t>
+            </a:r>
+          </a:p>
+        </p:txBody>
+      </p:sp>
+      <p:pic>
+        <p:nvPicPr>
+          <p:cNvPr id="191" name="图片 4" descr="图片 4"/>
+          <p:cNvPicPr>
+            <a:picLocks noChangeAspect="1"/>
+          </p:cNvPicPr>
+          <p:nvPr/>
+        </p:nvPicPr>
+        <p:blipFill>
+          <a:blip r:embed="rId2">
+            <a:extLst/>
+          </a:blip>
+          <a:stretch>
+            <a:fillRect/>
+          </a:stretch>
+        </p:blipFill>
+        <p:spPr>
+          <a:xfrm>
+            <a:off x="12065000" y="2540000"/>
+            <a:ext cx="12065000" cy="9798244"/>
+          </a:xfrm>
+          <a:prstGeom prst="rect">
+            <a:avLst/>
+          </a:prstGeom>
+          <a:ln w="12700">
+            <a:miter lim="400000"/>
+          </a:ln>
+        </p:spPr>
+      </p:pic>
+    </p:spTree>
+  </p:cSld>
+  <p:clrMapOvr>
+    <a:masterClrMapping/>
+  </p:clrMapOvr>
+  <p:transition xmlns:p14="http://schemas.microsoft.com/office/powerpoint/2010/main" spd="med" advClick="1"/>
+</p:sld>
+</file>
+
+<file path=ppt/slides/slide11.xml><?xml version="1.0" encoding="utf-8"?>
+<p:sld xmlns:a="http://schemas.openxmlformats.org/drawingml/2006/main" xmlns:r="http://schemas.openxmlformats.org/officeDocument/2006/relationships" xmlns:p="http://schemas.openxmlformats.org/presentationml/2006/main" xmlns:m="http://schemas.openxmlformats.org/officeDocument/2006/math" xmlns:a14="http://schemas.microsoft.com/office/drawing/2010/main" showMasterSp="1" showMasterPhAnim="1">
+  <p:cSld>
+    <p:spTree>
+      <p:nvGrpSpPr>
+        <p:cNvPr id="1" name=""/>
+        <p:cNvGrpSpPr/>
+        <p:nvPr/>
+      </p:nvGrpSpPr>
+      <p:grpSpPr>
+        <a:xfrm>
+          <a:off x="0" y="0"/>
+          <a:ext cx="0" cy="0"/>
+          <a:chOff x="0" y="0"/>
+          <a:chExt cx="0" cy="0"/>
+        </a:xfrm>
+      </p:grpSpPr>
+      <p:sp>
+        <p:nvSpPr>
+          <p:cNvPr id="193" name="3.2、定义大数的比较算法"/>
+          <p:cNvSpPr txBox="1"/>
+          <p:nvPr>
+            <p:ph type="title" idx="4294967295"/>
+          </p:nvPr>
+        </p:nvSpPr>
+        <p:spPr>
+          <a:xfrm>
+            <a:off x="0" y="0"/>
+            <a:ext cx="24384000" cy="1905001"/>
+          </a:xfrm>
+          <a:prstGeom prst="rect">
+            <a:avLst/>
+          </a:prstGeom>
+        </p:spPr>
+        <p:txBody>
+          <a:bodyPr lIns="45719" tIns="45719" rIns="45719" bIns="45719" anchor="ctr"/>
+          <a:lstStyle>
+            <a:lvl1pPr algn="ctr" defTabSz="914400">
+              <a:lnSpc>
+                <a:spcPct val="90000"/>
+              </a:lnSpc>
+              <a:defRPr b="0" spc="0" sz="7000">
+                <a:latin typeface="Helvetica Neue Medium"/>
+                <a:ea typeface="Helvetica Neue Medium"/>
+                <a:cs typeface="Helvetica Neue Medium"/>
+                <a:sym typeface="Helvetica Neue Medium"/>
+              </a:defRPr>
+            </a:lvl1pPr>
+          </a:lstStyle>
+          <a:p>
+            <a:pPr/>
+            <a:r>
+              <a:t>3.2、定义大数的比较算法</a:t>
+            </a:r>
+          </a:p>
+        </p:txBody>
+      </p:sp>
+      <p:sp>
+        <p:nvSpPr>
+          <p:cNvPr id="194" name="1、先判断字符串首位，若为“-”则该大数为负数…"/>
+          <p:cNvSpPr txBox="1"/>
+          <p:nvPr>
+            <p:ph type="body" sz="half" idx="4294967295"/>
+          </p:nvPr>
+        </p:nvSpPr>
+        <p:spPr>
+          <a:xfrm>
+            <a:off x="1270000" y="2540000"/>
+            <a:ext cx="12700000" cy="7620000"/>
+          </a:xfrm>
+          <a:prstGeom prst="rect">
+            <a:avLst/>
+          </a:prstGeom>
+        </p:spPr>
+        <p:txBody>
+          <a:bodyPr lIns="45719" tIns="45719" rIns="45719" bIns="45719"/>
+          <a:lstStyle/>
+          <a:p>
+            <a:pPr marL="0" indent="0" defTabSz="914400">
+              <a:lnSpc>
+                <a:spcPct val="150000"/>
+              </a:lnSpc>
+              <a:spcBef>
+                <a:spcPts val="500"/>
+              </a:spcBef>
+              <a:buSzTx/>
+              <a:buNone/>
+              <a:defRPr sz="5000">
+                <a:latin typeface="SimSong Regular"/>
+                <a:ea typeface="SimSong Regular"/>
+                <a:cs typeface="SimSong Regular"/>
+                <a:sym typeface="SimSong Regular"/>
+              </a:defRPr>
+            </a:pPr>
+            <a:r>
+              <a:t>1、先判断字符串首位，若为“-”则该大数为负数</a:t>
+            </a:r>
+          </a:p>
+          <a:p>
+            <a:pPr marL="0" indent="0" defTabSz="914400">
+              <a:lnSpc>
+                <a:spcPct val="150000"/>
+              </a:lnSpc>
+              <a:spcBef>
+                <a:spcPts val="500"/>
+              </a:spcBef>
+              <a:buSzTx/>
+              <a:buNone/>
+              <a:defRPr sz="5000">
+                <a:latin typeface="SimSong Regular"/>
+                <a:ea typeface="SimSong Regular"/>
+                <a:cs typeface="SimSong Regular"/>
+                <a:sym typeface="SimSong Regular"/>
+              </a:defRPr>
+            </a:pPr>
+            <a:r>
+              <a:t>2、若两数一正一负，则正数必然大于负数。</a:t>
+            </a:r>
+          </a:p>
+          <a:p>
+            <a:pPr marL="0" indent="0" defTabSz="914400">
+              <a:lnSpc>
+                <a:spcPct val="150000"/>
+              </a:lnSpc>
+              <a:spcBef>
+                <a:spcPts val="500"/>
+              </a:spcBef>
+              <a:buSzTx/>
+              <a:buNone/>
+              <a:defRPr sz="5000">
+                <a:latin typeface="SimSong Regular"/>
+                <a:ea typeface="SimSong Regular"/>
+                <a:cs typeface="SimSong Regular"/>
+                <a:sym typeface="SimSong Regular"/>
+              </a:defRPr>
+            </a:pPr>
+            <a:r>
+              <a:t>3、若符号相同，则位数越大的数，其绝对值越大。</a:t>
+            </a:r>
+          </a:p>
+          <a:p>
+            <a:pPr marL="0" indent="0" defTabSz="914400">
+              <a:lnSpc>
+                <a:spcPct val="150000"/>
+              </a:lnSpc>
+              <a:spcBef>
+                <a:spcPts val="500"/>
+              </a:spcBef>
+              <a:buSzTx/>
+              <a:buNone/>
+              <a:defRPr sz="5000">
+                <a:latin typeface="SimSong Regular"/>
+                <a:ea typeface="SimSong Regular"/>
+                <a:cs typeface="SimSong Regular"/>
+                <a:sym typeface="SimSong Regular"/>
+              </a:defRPr>
+            </a:pPr>
+            <a:r>
+              <a:t>4、若位数相同，则从高位到低位逐位进行比较，若某一位的值大，则该数的绝对值大。</a:t>
+            </a:r>
+          </a:p>
+        </p:txBody>
+      </p:sp>
+      <p:pic>
+        <p:nvPicPr>
+          <p:cNvPr id="195" name="图片 5" descr="图片 5"/>
+          <p:cNvPicPr>
+            <a:picLocks noChangeAspect="1"/>
+          </p:cNvPicPr>
+          <p:nvPr/>
+        </p:nvPicPr>
+        <p:blipFill>
+          <a:blip r:embed="rId2">
+            <a:extLst/>
+          </a:blip>
+          <a:stretch>
+            <a:fillRect/>
+          </a:stretch>
+        </p:blipFill>
+        <p:spPr>
+          <a:xfrm>
+            <a:off x="15240000" y="1524000"/>
+            <a:ext cx="8255000" cy="12732381"/>
+          </a:xfrm>
+          <a:prstGeom prst="rect">
+            <a:avLst/>
+          </a:prstGeom>
+          <a:ln w="12700">
+            <a:miter lim="400000"/>
+          </a:ln>
+        </p:spPr>
+      </p:pic>
+    </p:spTree>
+  </p:cSld>
+  <p:clrMapOvr>
+    <a:masterClrMapping/>
+  </p:clrMapOvr>
+  <p:transition xmlns:p14="http://schemas.microsoft.com/office/powerpoint/2010/main" spd="med" advClick="1"/>
+</p:sld>
+</file>
+
+<file path=ppt/slides/slide12.xml><?xml version="1.0" encoding="utf-8"?>
+<p:sld xmlns:a="http://schemas.openxmlformats.org/drawingml/2006/main" xmlns:r="http://schemas.openxmlformats.org/officeDocument/2006/relationships" xmlns:p="http://schemas.openxmlformats.org/presentationml/2006/main" xmlns:m="http://schemas.openxmlformats.org/officeDocument/2006/math" xmlns:a14="http://schemas.microsoft.com/office/drawing/2010/main" showMasterSp="1" showMasterPhAnim="1">
+  <p:cSld>
+    <p:spTree>
+      <p:nvGrpSpPr>
+        <p:cNvPr id="1" name=""/>
+        <p:cNvGrpSpPr/>
+        <p:nvPr/>
+      </p:nvGrpSpPr>
+      <p:grpSpPr>
+        <a:xfrm>
+          <a:off x="0" y="0"/>
+          <a:ext cx="0" cy="0"/>
+          <a:chOff x="0" y="0"/>
+          <a:chExt cx="0" cy="0"/>
+        </a:xfrm>
+      </p:grpSpPr>
+      <p:sp>
+        <p:nvSpPr>
+          <p:cNvPr id="197" name="3.3、大数选择排序"/>
+          <p:cNvSpPr txBox="1"/>
+          <p:nvPr>
+            <p:ph type="title" idx="4294967295"/>
+          </p:nvPr>
+        </p:nvSpPr>
+        <p:spPr>
+          <a:xfrm>
+            <a:off x="0" y="0"/>
+            <a:ext cx="24384000" cy="1905001"/>
+          </a:xfrm>
+          <a:prstGeom prst="rect">
+            <a:avLst/>
+          </a:prstGeom>
+        </p:spPr>
+        <p:txBody>
+          <a:bodyPr lIns="45719" tIns="45719" rIns="45719" bIns="45719" anchor="ctr"/>
+          <a:lstStyle>
+            <a:lvl1pPr algn="ctr" defTabSz="914400">
+              <a:lnSpc>
+                <a:spcPct val="90000"/>
+              </a:lnSpc>
+              <a:defRPr b="0" spc="0" sz="7000">
+                <a:latin typeface="Helvetica Neue Medium"/>
+                <a:ea typeface="Helvetica Neue Medium"/>
+                <a:cs typeface="Helvetica Neue Medium"/>
+                <a:sym typeface="Helvetica Neue Medium"/>
+              </a:defRPr>
+            </a:lvl1pPr>
+          </a:lstStyle>
+          <a:p>
+            <a:pPr/>
+            <a:r>
+              <a:t>3.3、大数选择排序</a:t>
+            </a:r>
+          </a:p>
+        </p:txBody>
+      </p:sp>
+      <p:sp>
+        <p:nvSpPr>
+          <p:cNvPr id="198" name="由于选择排序是基于比较的排序，所以大数的选择排序与普通的选择排序基本一样。…"/>
+          <p:cNvSpPr txBox="1"/>
+          <p:nvPr>
+            <p:ph type="body" sz="half" idx="4294967295"/>
+          </p:nvPr>
+        </p:nvSpPr>
+        <p:spPr>
+          <a:xfrm>
+            <a:off x="1269999" y="2032000"/>
+            <a:ext cx="10795001" cy="11430000"/>
+          </a:xfrm>
+          <a:prstGeom prst="rect">
+            <a:avLst/>
+          </a:prstGeom>
+        </p:spPr>
+        <p:txBody>
+          <a:bodyPr lIns="45719" tIns="45719" rIns="45719" bIns="45719"/>
+          <a:lstStyle/>
+          <a:p>
+            <a:pPr marL="0" indent="0" defTabSz="914400">
+              <a:lnSpc>
+                <a:spcPct val="150000"/>
+              </a:lnSpc>
+              <a:spcBef>
+                <a:spcPts val="500"/>
+              </a:spcBef>
+              <a:buSzTx/>
+              <a:buNone/>
+              <a:defRPr sz="5000">
+                <a:latin typeface="SimSong Regular"/>
+                <a:ea typeface="SimSong Regular"/>
+                <a:cs typeface="SimSong Regular"/>
+                <a:sym typeface="SimSong Regular"/>
+              </a:defRPr>
+            </a:pPr>
+            <a:r>
+              <a:t>由于选择排序是基于比较的排序，所以大数的选择排序与普通的选择排序基本一样。</a:t>
+            </a:r>
+          </a:p>
+          <a:p>
+            <a:pPr marL="0" indent="0" defTabSz="914400">
+              <a:lnSpc>
+                <a:spcPct val="150000"/>
+              </a:lnSpc>
+              <a:spcBef>
+                <a:spcPts val="500"/>
+              </a:spcBef>
+              <a:buSzTx/>
+              <a:buNone/>
+              <a:defRPr sz="5000">
+                <a:latin typeface="SimSong Regular"/>
+                <a:ea typeface="SimSong Regular"/>
+                <a:cs typeface="SimSong Regular"/>
+                <a:sym typeface="SimSong Regular"/>
+              </a:defRPr>
+            </a:pPr>
+            <a:r>
+              <a:t>1、从第一个大数开始，向后遍历数组，找到最小的大数，将这个数与第一个数交换位置。</a:t>
+            </a:r>
+          </a:p>
+          <a:p>
+            <a:pPr marL="0" indent="0" defTabSz="914400">
+              <a:lnSpc>
+                <a:spcPct val="150000"/>
+              </a:lnSpc>
+              <a:spcBef>
+                <a:spcPts val="500"/>
+              </a:spcBef>
+              <a:buSzTx/>
+              <a:buNone/>
+              <a:defRPr sz="5000">
+                <a:latin typeface="SimSong Regular"/>
+                <a:ea typeface="SimSong Regular"/>
+                <a:cs typeface="SimSong Regular"/>
+                <a:sym typeface="SimSong Regular"/>
+              </a:defRPr>
+            </a:pPr>
+            <a:r>
+              <a:t>2、第一个位置找到之后，到下一个位置，继续往后找最小的数，并与当前位置的大数交换位置。</a:t>
+            </a:r>
+          </a:p>
+          <a:p>
+            <a:pPr marL="0" indent="0" defTabSz="914400">
+              <a:lnSpc>
+                <a:spcPct val="150000"/>
+              </a:lnSpc>
+              <a:spcBef>
+                <a:spcPts val="500"/>
+              </a:spcBef>
+              <a:buSzTx/>
+              <a:buNone/>
+              <a:defRPr sz="5000">
+                <a:latin typeface="SimSong Regular"/>
+                <a:ea typeface="SimSong Regular"/>
+                <a:cs typeface="SimSong Regular"/>
+                <a:sym typeface="SimSong Regular"/>
+              </a:defRPr>
+            </a:pPr>
+            <a:r>
+              <a:t>3、以此类推，直到遍历完整个数组。</a:t>
+            </a:r>
+          </a:p>
+        </p:txBody>
+      </p:sp>
+      <p:pic>
+        <p:nvPicPr>
+          <p:cNvPr id="199" name="图片 7" descr="图片 7"/>
+          <p:cNvPicPr>
+            <a:picLocks noChangeAspect="1"/>
+          </p:cNvPicPr>
+          <p:nvPr/>
+        </p:nvPicPr>
+        <p:blipFill>
+          <a:blip r:embed="rId2">
+            <a:extLst/>
+          </a:blip>
+          <a:stretch>
+            <a:fillRect/>
+          </a:stretch>
+        </p:blipFill>
+        <p:spPr>
+          <a:xfrm>
+            <a:off x="12700000" y="2032000"/>
+            <a:ext cx="11430001" cy="9232985"/>
+          </a:xfrm>
+          <a:prstGeom prst="rect">
+            <a:avLst/>
+          </a:prstGeom>
+          <a:ln w="12700">
+            <a:miter lim="400000"/>
+          </a:ln>
+        </p:spPr>
+      </p:pic>
+    </p:spTree>
+  </p:cSld>
+  <p:clrMapOvr>
+    <a:masterClrMapping/>
+  </p:clrMapOvr>
+  <p:transition xmlns:p14="http://schemas.microsoft.com/office/powerpoint/2010/main" spd="med" advClick="1"/>
+</p:sld>
+</file>
+
+<file path=ppt/slides/slide13.xml><?xml version="1.0" encoding="utf-8"?>
+<p:sld xmlns:a="http://schemas.openxmlformats.org/drawingml/2006/main" xmlns:r="http://schemas.openxmlformats.org/officeDocument/2006/relationships" xmlns:p="http://schemas.openxmlformats.org/presentationml/2006/main" xmlns:m="http://schemas.openxmlformats.org/officeDocument/2006/math" xmlns:a14="http://schemas.microsoft.com/office/drawing/2010/main" showMasterSp="1" showMasterPhAnim="1">
+  <p:cSld>
+    <p:spTree>
+      <p:nvGrpSpPr>
+        <p:cNvPr id="1" name=""/>
+        <p:cNvGrpSpPr/>
+        <p:nvPr/>
+      </p:nvGrpSpPr>
+      <p:grpSpPr>
+        <a:xfrm>
+          <a:off x="0" y="0"/>
+          <a:ext cx="0" cy="0"/>
+          <a:chOff x="0" y="0"/>
+          <a:chExt cx="0" cy="0"/>
+        </a:xfrm>
+      </p:grpSpPr>
+      <p:sp>
+        <p:nvSpPr>
+          <p:cNvPr id="201" name="3.4、大数归并排序"/>
+          <p:cNvSpPr txBox="1"/>
+          <p:nvPr>
+            <p:ph type="title" idx="4294967295"/>
+          </p:nvPr>
+        </p:nvSpPr>
+        <p:spPr>
+          <a:xfrm>
+            <a:off x="0" y="0"/>
+            <a:ext cx="24384000" cy="1905001"/>
+          </a:xfrm>
+          <a:prstGeom prst="rect">
+            <a:avLst/>
+          </a:prstGeom>
+        </p:spPr>
+        <p:txBody>
+          <a:bodyPr lIns="45719" tIns="45719" rIns="45719" bIns="45719" anchor="ctr"/>
+          <a:lstStyle>
+            <a:lvl1pPr algn="ctr" defTabSz="914400">
+              <a:lnSpc>
+                <a:spcPct val="90000"/>
+              </a:lnSpc>
+              <a:defRPr b="0" spc="0" sz="7000">
+                <a:latin typeface="Helvetica Neue Medium"/>
+                <a:ea typeface="Helvetica Neue Medium"/>
+                <a:cs typeface="Helvetica Neue Medium"/>
+                <a:sym typeface="Helvetica Neue Medium"/>
+              </a:defRPr>
+            </a:lvl1pPr>
+          </a:lstStyle>
+          <a:p>
+            <a:pPr/>
+            <a:r>
+              <a:t>3.4、大数归并排序</a:t>
+            </a:r>
+          </a:p>
+        </p:txBody>
+      </p:sp>
+      <p:sp>
+        <p:nvSpPr>
+          <p:cNvPr id="202" name="由于归并排序是基于比较的排序，所以大数的归并排序与普通的归并排序基本一样。…"/>
+          <p:cNvSpPr txBox="1"/>
+          <p:nvPr>
+            <p:ph type="body" sz="half" idx="4294967295"/>
+          </p:nvPr>
+        </p:nvSpPr>
+        <p:spPr>
+          <a:xfrm>
+            <a:off x="1270000" y="2031999"/>
+            <a:ext cx="10795000" cy="11430001"/>
+          </a:xfrm>
+          <a:prstGeom prst="rect">
+            <a:avLst/>
+          </a:prstGeom>
+        </p:spPr>
+        <p:txBody>
+          <a:bodyPr lIns="45719" tIns="45719" rIns="45719" bIns="45719"/>
+          <a:lstStyle/>
+          <a:p>
+            <a:pPr marL="0" indent="0" defTabSz="804672">
+              <a:lnSpc>
+                <a:spcPct val="150000"/>
+              </a:lnSpc>
+              <a:spcBef>
+                <a:spcPts val="400"/>
+              </a:spcBef>
+              <a:buSzTx/>
+              <a:buNone/>
+              <a:defRPr sz="4400">
+                <a:latin typeface="SimSong Regular"/>
+                <a:ea typeface="SimSong Regular"/>
+                <a:cs typeface="SimSong Regular"/>
+                <a:sym typeface="SimSong Regular"/>
+              </a:defRPr>
+            </a:pPr>
+            <a:r>
+              <a:t>由于归并排序是基于比较的排序，所以大数的归并排序与普通的归并排序基本一样。</a:t>
+            </a:r>
+          </a:p>
+          <a:p>
+            <a:pPr marL="0" indent="0" defTabSz="804672">
+              <a:lnSpc>
+                <a:spcPct val="150000"/>
+              </a:lnSpc>
+              <a:spcBef>
+                <a:spcPts val="400"/>
+              </a:spcBef>
+              <a:buSzTx/>
+              <a:buNone/>
+              <a:defRPr sz="4400">
+                <a:latin typeface="SimSong Regular"/>
+                <a:ea typeface="SimSong Regular"/>
+                <a:cs typeface="SimSong Regular"/>
+                <a:sym typeface="SimSong Regular"/>
+              </a:defRPr>
+            </a:pPr>
+            <a:r>
+              <a:t>1、将数组递归地分成两半，直到每个数组只剩下一个元素，此时可认为数组已有序，</a:t>
+            </a:r>
+          </a:p>
+          <a:p>
+            <a:pPr marL="0" indent="0" defTabSz="804672">
+              <a:lnSpc>
+                <a:spcPct val="150000"/>
+              </a:lnSpc>
+              <a:spcBef>
+                <a:spcPts val="400"/>
+              </a:spcBef>
+              <a:buSzTx/>
+              <a:buNone/>
+              <a:defRPr sz="4400">
+                <a:latin typeface="SimSong Regular"/>
+                <a:ea typeface="SimSong Regular"/>
+                <a:cs typeface="SimSong Regular"/>
+                <a:sym typeface="SimSong Regular"/>
+              </a:defRPr>
+            </a:pPr>
+            <a:r>
+              <a:t>2、用二指针的方法将已有序的两个数组归并为一个数组。初始时，两个指针分别指向两个数组的最小数的位置，比较这两个最小的数，小的那个被放到最终的数组，并将该指针指向下一个数。以此类推，当其中一个数组没有元素时，将另一个数组的元素全部放进最终的数组里。递归退出时，数组就排好序了。</a:t>
+            </a:r>
+          </a:p>
+        </p:txBody>
+      </p:sp>
+      <p:pic>
+        <p:nvPicPr>
+          <p:cNvPr id="203" name="图片 5" descr="图片 5"/>
+          <p:cNvPicPr>
+            <a:picLocks noChangeAspect="1"/>
+          </p:cNvPicPr>
+          <p:nvPr/>
+        </p:nvPicPr>
+        <p:blipFill>
+          <a:blip r:embed="rId2">
+            <a:extLst/>
+          </a:blip>
+          <a:stretch>
+            <a:fillRect/>
+          </a:stretch>
+        </p:blipFill>
+        <p:spPr>
+          <a:xfrm>
+            <a:off x="12700000" y="2032000"/>
+            <a:ext cx="11430000" cy="9184867"/>
+          </a:xfrm>
+          <a:prstGeom prst="rect">
+            <a:avLst/>
+          </a:prstGeom>
+          <a:ln w="12700">
+            <a:miter lim="400000"/>
+          </a:ln>
+        </p:spPr>
+      </p:pic>
+    </p:spTree>
+  </p:cSld>
+  <p:clrMapOvr>
+    <a:masterClrMapping/>
+  </p:clrMapOvr>
+  <p:transition xmlns:p14="http://schemas.microsoft.com/office/powerpoint/2010/main" spd="med" advClick="1"/>
+</p:sld>
+</file>
+
+<file path=ppt/slides/slide14.xml><?xml version="1.0" encoding="utf-8"?>
+<p:sld xmlns:a="http://schemas.openxmlformats.org/drawingml/2006/main" xmlns:r="http://schemas.openxmlformats.org/officeDocument/2006/relationships" xmlns:p="http://schemas.openxmlformats.org/presentationml/2006/main" xmlns:m="http://schemas.openxmlformats.org/officeDocument/2006/math" xmlns:a14="http://schemas.microsoft.com/office/drawing/2010/main" showMasterSp="1" showMasterPhAnim="1">
+  <p:cSld>
+    <p:spTree>
+      <p:nvGrpSpPr>
+        <p:cNvPr id="1" name=""/>
+        <p:cNvGrpSpPr/>
+        <p:nvPr/>
+      </p:nvGrpSpPr>
+      <p:grpSpPr>
+        <a:xfrm>
+          <a:off x="0" y="0"/>
+          <a:ext cx="0" cy="0"/>
+          <a:chOff x="0" y="0"/>
+          <a:chExt cx="0" cy="0"/>
+        </a:xfrm>
+      </p:grpSpPr>
+      <p:sp>
+        <p:nvSpPr>
+          <p:cNvPr id="205" name="3.5、大数快速排序"/>
+          <p:cNvSpPr txBox="1"/>
+          <p:nvPr>
+            <p:ph type="title" idx="4294967295"/>
+          </p:nvPr>
+        </p:nvSpPr>
+        <p:spPr>
+          <a:xfrm>
+            <a:off x="0" y="0"/>
+            <a:ext cx="24384001" cy="1901494"/>
+          </a:xfrm>
+          <a:prstGeom prst="rect">
+            <a:avLst/>
+          </a:prstGeom>
+        </p:spPr>
+        <p:txBody>
+          <a:bodyPr lIns="45719" tIns="45719" rIns="45719" bIns="45719" anchor="ctr"/>
+          <a:lstStyle>
+            <a:lvl1pPr algn="ctr" defTabSz="914400">
+              <a:lnSpc>
+                <a:spcPct val="90000"/>
+              </a:lnSpc>
+              <a:defRPr b="0" spc="0" sz="7000">
+                <a:latin typeface="Helvetica Neue Medium"/>
+                <a:ea typeface="Helvetica Neue Medium"/>
+                <a:cs typeface="Helvetica Neue Medium"/>
+                <a:sym typeface="Helvetica Neue Medium"/>
+              </a:defRPr>
+            </a:lvl1pPr>
+          </a:lstStyle>
+          <a:p>
+            <a:pPr/>
+            <a:r>
+              <a:t>3.5、大数快速排序</a:t>
+            </a:r>
+          </a:p>
+        </p:txBody>
+      </p:sp>
+      <p:sp>
+        <p:nvSpPr>
+          <p:cNvPr id="206" name="由于快速排序是基于比较的排序，所以大数的快速排序与普通的快速排序基本一样。…"/>
+          <p:cNvSpPr txBox="1"/>
+          <p:nvPr>
+            <p:ph type="body" sz="half" idx="4294967295"/>
+          </p:nvPr>
+        </p:nvSpPr>
+        <p:spPr>
+          <a:xfrm>
+            <a:off x="1270000" y="2032000"/>
+            <a:ext cx="11067297" cy="11154023"/>
+          </a:xfrm>
+          <a:prstGeom prst="rect">
+            <a:avLst/>
+          </a:prstGeom>
+        </p:spPr>
+        <p:txBody>
+          <a:bodyPr lIns="45719" tIns="45719" rIns="45719" bIns="45719"/>
+          <a:lstStyle/>
+          <a:p>
+            <a:pPr marL="0" indent="0" defTabSz="914400">
+              <a:lnSpc>
+                <a:spcPct val="150000"/>
+              </a:lnSpc>
+              <a:spcBef>
+                <a:spcPts val="500"/>
+              </a:spcBef>
+              <a:buSzTx/>
+              <a:buNone/>
+              <a:defRPr sz="5000">
+                <a:latin typeface="SimSong Regular"/>
+                <a:ea typeface="SimSong Regular"/>
+                <a:cs typeface="SimSong Regular"/>
+                <a:sym typeface="SimSong Regular"/>
+              </a:defRPr>
+            </a:pPr>
+            <a:r>
+              <a:t>由于快速排序是基于比较的排序，所以大数的快速排序与普通的快速排序基本一样。</a:t>
+            </a:r>
+          </a:p>
+          <a:p>
+            <a:pPr marL="0" indent="0" defTabSz="914400">
+              <a:lnSpc>
+                <a:spcPct val="150000"/>
+              </a:lnSpc>
+              <a:spcBef>
+                <a:spcPts val="500"/>
+              </a:spcBef>
+              <a:buSzTx/>
+              <a:buNone/>
+              <a:defRPr sz="5000">
+                <a:latin typeface="SimSong Regular"/>
+                <a:ea typeface="SimSong Regular"/>
+                <a:cs typeface="SimSong Regular"/>
+                <a:sym typeface="SimSong Regular"/>
+              </a:defRPr>
+            </a:pPr>
+            <a:r>
+              <a:t>1、取数组最右边的数，将数组划分为两个部分，其中左边的数都比所取的数小，右边的数都比所取的数大，这时所取的数就处在了它最终的位置上。</a:t>
+            </a:r>
+          </a:p>
+          <a:p>
+            <a:pPr marL="0" indent="0" defTabSz="914400">
+              <a:lnSpc>
+                <a:spcPct val="150000"/>
+              </a:lnSpc>
+              <a:spcBef>
+                <a:spcPts val="500"/>
+              </a:spcBef>
+              <a:buSzTx/>
+              <a:buNone/>
+              <a:defRPr sz="5000">
+                <a:latin typeface="SimSong Regular"/>
+                <a:ea typeface="SimSong Regular"/>
+                <a:cs typeface="SimSong Regular"/>
+                <a:sym typeface="SimSong Regular"/>
+              </a:defRPr>
+            </a:pPr>
+            <a:r>
+              <a:t>2、将左右两个数组看作新的数组，递归执行一的操作，直到数组长度为1，此时退出递归。</a:t>
+            </a:r>
+          </a:p>
+        </p:txBody>
+      </p:sp>
+      <p:pic>
+        <p:nvPicPr>
+          <p:cNvPr id="207" name="图片 5" descr="图片 5"/>
+          <p:cNvPicPr>
+            <a:picLocks noChangeAspect="1"/>
+          </p:cNvPicPr>
+          <p:nvPr/>
+        </p:nvPicPr>
+        <p:blipFill>
+          <a:blip r:embed="rId2">
+            <a:extLst/>
+          </a:blip>
+          <a:stretch>
+            <a:fillRect/>
+          </a:stretch>
+        </p:blipFill>
+        <p:spPr>
+          <a:xfrm>
+            <a:off x="12700000" y="1905000"/>
+            <a:ext cx="11430000" cy="11249842"/>
+          </a:xfrm>
+          <a:prstGeom prst="rect">
+            <a:avLst/>
+          </a:prstGeom>
+          <a:ln w="12700">
+            <a:miter lim="400000"/>
+          </a:ln>
+        </p:spPr>
+      </p:pic>
+    </p:spTree>
+  </p:cSld>
+  <p:clrMapOvr>
+    <a:masterClrMapping/>
+  </p:clrMapOvr>
+  <p:transition xmlns:p14="http://schemas.microsoft.com/office/powerpoint/2010/main" spd="med" advClick="1"/>
+</p:sld>
+</file>
+
+<file path=ppt/slides/slide15.xml><?xml version="1.0" encoding="utf-8"?>
+<p:sld xmlns:a="http://schemas.openxmlformats.org/drawingml/2006/main" xmlns:r="http://schemas.openxmlformats.org/officeDocument/2006/relationships" xmlns:p="http://schemas.openxmlformats.org/presentationml/2006/main" xmlns:m="http://schemas.openxmlformats.org/officeDocument/2006/math" xmlns:a14="http://schemas.microsoft.com/office/drawing/2010/main" showMasterSp="1" showMasterPhAnim="1">
+  <p:cSld>
+    <p:spTree>
+      <p:nvGrpSpPr>
+        <p:cNvPr id="1" name=""/>
+        <p:cNvGrpSpPr/>
+        <p:nvPr/>
+      </p:nvGrpSpPr>
+      <p:grpSpPr>
+        <a:xfrm>
+          <a:off x="0" y="0"/>
+          <a:ext cx="0" cy="0"/>
+          <a:chOff x="0" y="0"/>
+          <a:chExt cx="0" cy="0"/>
+        </a:xfrm>
+      </p:grpSpPr>
+      <p:sp>
+        <p:nvSpPr>
+          <p:cNvPr id="209" name="3.5、大数希尔排序"/>
+          <p:cNvSpPr txBox="1"/>
+          <p:nvPr>
+            <p:ph type="title" idx="4294967295"/>
+          </p:nvPr>
+        </p:nvSpPr>
+        <p:spPr>
+          <a:xfrm>
+            <a:off x="0" y="0"/>
+            <a:ext cx="24384000" cy="1902101"/>
+          </a:xfrm>
+          <a:prstGeom prst="rect">
+            <a:avLst/>
+          </a:prstGeom>
+        </p:spPr>
+        <p:txBody>
+          <a:bodyPr lIns="45719" tIns="45719" rIns="45719" bIns="45719" anchor="ctr"/>
+          <a:lstStyle>
+            <a:lvl1pPr algn="ctr" defTabSz="914400">
+              <a:lnSpc>
+                <a:spcPct val="90000"/>
+              </a:lnSpc>
+              <a:defRPr b="0" spc="0" sz="7000">
+                <a:latin typeface="Helvetica Neue Medium"/>
+                <a:ea typeface="Helvetica Neue Medium"/>
+                <a:cs typeface="Helvetica Neue Medium"/>
+                <a:sym typeface="Helvetica Neue Medium"/>
+              </a:defRPr>
+            </a:lvl1pPr>
+          </a:lstStyle>
+          <a:p>
+            <a:pPr/>
+            <a:r>
+              <a:t>3.5、大数希尔排序</a:t>
+            </a:r>
+          </a:p>
+        </p:txBody>
+      </p:sp>
+      <p:sp>
+        <p:nvSpPr>
+          <p:cNvPr id="210" name="由于希尔排序是基于比较的排序，所以大数的希尔排序与普通的希尔排序基本一样。…"/>
+          <p:cNvSpPr txBox="1"/>
+          <p:nvPr>
+            <p:ph type="body" sz="half" idx="4294967295"/>
+          </p:nvPr>
+        </p:nvSpPr>
+        <p:spPr>
+          <a:xfrm>
+            <a:off x="1270000" y="1905000"/>
+            <a:ext cx="10160001" cy="11430000"/>
+          </a:xfrm>
+          <a:prstGeom prst="rect">
+            <a:avLst/>
+          </a:prstGeom>
+        </p:spPr>
+        <p:txBody>
+          <a:bodyPr lIns="45719" tIns="45719" rIns="45719" bIns="45719"/>
+          <a:lstStyle/>
+          <a:p>
+            <a:pPr marL="0" indent="0" defTabSz="795527">
+              <a:lnSpc>
+                <a:spcPct val="150000"/>
+              </a:lnSpc>
+              <a:spcBef>
+                <a:spcPts val="400"/>
+              </a:spcBef>
+              <a:buSzTx/>
+              <a:buNone/>
+              <a:defRPr sz="4350"/>
+            </a:pPr>
+            <a:r>
+              <a:t>由于希尔排序是基于比较的排序，所以大数的希尔排序与普通的希尔排序基本一样。</a:t>
+            </a:r>
+          </a:p>
+          <a:p>
+            <a:pPr marL="0" indent="0" defTabSz="795527">
+              <a:lnSpc>
+                <a:spcPct val="150000"/>
+              </a:lnSpc>
+              <a:spcBef>
+                <a:spcPts val="400"/>
+              </a:spcBef>
+              <a:buSzTx/>
+              <a:buNone/>
+              <a:defRPr sz="4350"/>
+            </a:pPr>
+            <a:r>
+              <a:t>  把数组</a:t>
+            </a:r>
+            <a:r>
+              <a:rPr>
+                <a:solidFill>
+                  <a:srgbClr val="333333"/>
+                </a:solidFill>
+              </a:rPr>
+              <a:t>按下标的一定增量分组，对每组使用直接插入排序算法排序；随着增量逐渐减少，当增量减至 </a:t>
+            </a:r>
+            <a:r>
+              <a:rPr>
+                <a:solidFill>
+                  <a:srgbClr val="333333"/>
+                </a:solidFill>
+              </a:rPr>
+              <a:t>1 </a:t>
+            </a:r>
+            <a:r>
+              <a:rPr>
+                <a:solidFill>
+                  <a:srgbClr val="333333"/>
+                </a:solidFill>
+              </a:rPr>
+              <a:t>时，即完成排序。</a:t>
+            </a:r>
+            <a:endParaRPr>
+              <a:solidFill>
+                <a:srgbClr val="333333"/>
+              </a:solidFill>
+            </a:endParaRPr>
+          </a:p>
+          <a:p>
+            <a:pPr marL="0" indent="0" defTabSz="795527">
+              <a:lnSpc>
+                <a:spcPct val="150000"/>
+              </a:lnSpc>
+              <a:spcBef>
+                <a:spcPts val="400"/>
+              </a:spcBef>
+              <a:buSzTx/>
+              <a:buNone/>
+              <a:defRPr sz="4350">
+                <a:solidFill>
+                  <a:srgbClr val="333333"/>
+                </a:solidFill>
+              </a:defRPr>
+            </a:pPr>
+            <a:r>
+              <a:t>1、</a:t>
+            </a:r>
+            <a:r>
+              <a:t>增量初始化为数组长度的一半，每次循环增量都减少为一半。</a:t>
+            </a:r>
+          </a:p>
+          <a:p>
+            <a:pPr marL="0" indent="0" defTabSz="795527">
+              <a:lnSpc>
+                <a:spcPct val="150000"/>
+              </a:lnSpc>
+              <a:spcBef>
+                <a:spcPts val="400"/>
+              </a:spcBef>
+              <a:buSzTx/>
+              <a:buNone/>
+              <a:defRPr sz="4350">
+                <a:solidFill>
+                  <a:srgbClr val="333333"/>
+                </a:solidFill>
+              </a:defRPr>
+            </a:pPr>
+            <a:r>
+              <a:t>2、</a:t>
+            </a:r>
+            <a:r>
+              <a:t>对每组使用直接插入排序算法排序。</a:t>
+            </a:r>
+          </a:p>
+        </p:txBody>
+      </p:sp>
+      <p:pic>
+        <p:nvPicPr>
+          <p:cNvPr id="211" name="图片 5" descr="图片 5"/>
+          <p:cNvPicPr>
+            <a:picLocks noChangeAspect="1"/>
+          </p:cNvPicPr>
+          <p:nvPr/>
+        </p:nvPicPr>
+        <p:blipFill>
+          <a:blip r:embed="rId2">
+            <a:extLst/>
+          </a:blip>
+          <a:stretch>
+            <a:fillRect/>
+          </a:stretch>
+        </p:blipFill>
+        <p:spPr>
+          <a:xfrm>
+            <a:off x="12699999" y="2032000"/>
+            <a:ext cx="12700001" cy="8720671"/>
+          </a:xfrm>
+          <a:prstGeom prst="rect">
+            <a:avLst/>
+          </a:prstGeom>
+          <a:ln w="12700">
+            <a:miter lim="400000"/>
+          </a:ln>
+        </p:spPr>
+      </p:pic>
+    </p:spTree>
+  </p:cSld>
+  <p:clrMapOvr>
+    <a:masterClrMapping/>
+  </p:clrMapOvr>
+  <p:transition xmlns:p14="http://schemas.microsoft.com/office/powerpoint/2010/main" spd="med" advClick="1"/>
+</p:sld>
+</file>
+
+<file path=ppt/slides/slide16.xml><?xml version="1.0" encoding="utf-8"?>
+<p:sld xmlns:a="http://schemas.openxmlformats.org/drawingml/2006/main" xmlns:r="http://schemas.openxmlformats.org/officeDocument/2006/relationships" xmlns:p="http://schemas.openxmlformats.org/presentationml/2006/main" xmlns:m="http://schemas.openxmlformats.org/officeDocument/2006/math" xmlns:a14="http://schemas.microsoft.com/office/drawing/2010/main" showMasterSp="1" showMasterPhAnim="1">
+  <p:cSld>
+    <p:spTree>
+      <p:nvGrpSpPr>
+        <p:cNvPr id="1" name=""/>
+        <p:cNvGrpSpPr/>
+        <p:nvPr/>
+      </p:nvGrpSpPr>
+      <p:grpSpPr>
+        <a:xfrm>
+          <a:off x="0" y="0"/>
+          <a:ext cx="0" cy="0"/>
+          <a:chOff x="0" y="0"/>
+          <a:chExt cx="0" cy="0"/>
+        </a:xfrm>
+      </p:grpSpPr>
+      <p:sp>
+        <p:nvSpPr>
+          <p:cNvPr id="213" name="3.6、大数基数排序"/>
+          <p:cNvSpPr txBox="1"/>
+          <p:nvPr>
+            <p:ph type="title" idx="4294967295"/>
+          </p:nvPr>
+        </p:nvSpPr>
+        <p:spPr>
+          <a:xfrm>
+            <a:off x="0" y="0"/>
+            <a:ext cx="24384000" cy="1905001"/>
+          </a:xfrm>
+          <a:prstGeom prst="rect">
+            <a:avLst/>
+          </a:prstGeom>
+        </p:spPr>
+        <p:txBody>
+          <a:bodyPr lIns="45719" tIns="45719" rIns="45719" bIns="45719" anchor="ctr"/>
+          <a:lstStyle>
+            <a:lvl1pPr algn="ctr" defTabSz="914400">
+              <a:lnSpc>
+                <a:spcPct val="90000"/>
+              </a:lnSpc>
+              <a:defRPr b="0" spc="0" sz="7000">
+                <a:latin typeface="Helvetica Neue Medium"/>
+                <a:ea typeface="Helvetica Neue Medium"/>
+                <a:cs typeface="Helvetica Neue Medium"/>
+                <a:sym typeface="Helvetica Neue Medium"/>
+              </a:defRPr>
+            </a:lvl1pPr>
+          </a:lstStyle>
+          <a:p>
+            <a:pPr/>
+            <a:r>
+              <a:t>3.6、大数基数排序</a:t>
+            </a:r>
+          </a:p>
+        </p:txBody>
+      </p:sp>
+      <p:sp>
+        <p:nvSpPr>
+          <p:cNvPr id="214" name="由于基数排序不是基于比较的排序，所以大数的基数排序与普通的基数排序基本差别较大，但都是通过比较数的各位上的值来进行排序的。…"/>
+          <p:cNvSpPr txBox="1"/>
+          <p:nvPr>
+            <p:ph type="body" idx="4294967295"/>
+          </p:nvPr>
+        </p:nvSpPr>
+        <p:spPr>
+          <a:xfrm>
+            <a:off x="254000" y="1905000"/>
+            <a:ext cx="12700000" cy="12700000"/>
+          </a:xfrm>
+          <a:prstGeom prst="rect">
+            <a:avLst/>
+          </a:prstGeom>
+        </p:spPr>
+        <p:txBody>
+          <a:bodyPr lIns="45719" tIns="45719" rIns="45719" bIns="45719"/>
+          <a:lstStyle/>
+          <a:p>
+            <a:pPr marL="0" indent="0" defTabSz="859536">
+              <a:lnSpc>
+                <a:spcPct val="150000"/>
+              </a:lnSpc>
+              <a:spcBef>
+                <a:spcPts val="400"/>
+              </a:spcBef>
+              <a:buSzTx/>
+              <a:buNone/>
+              <a:defRPr sz="4700">
+                <a:latin typeface="SimSong Regular"/>
+                <a:ea typeface="SimSong Regular"/>
+                <a:cs typeface="SimSong Regular"/>
+                <a:sym typeface="SimSong Regular"/>
+              </a:defRPr>
+            </a:pPr>
+            <a:r>
+              <a:t>由于基数排序不是基于比较的排序，所以大数的基数排序与普通的基数排序基本差别较大，但都是通过比较数的各位上的值来进行排序的。</a:t>
+            </a:r>
+          </a:p>
+          <a:p>
+            <a:pPr marL="0" indent="0" defTabSz="859536">
+              <a:lnSpc>
+                <a:spcPct val="150000"/>
+              </a:lnSpc>
+              <a:spcBef>
+                <a:spcPts val="400"/>
+              </a:spcBef>
+              <a:buSzTx/>
+              <a:buNone/>
+              <a:defRPr sz="4700">
+                <a:latin typeface="SimSong Regular"/>
+                <a:ea typeface="SimSong Regular"/>
+                <a:cs typeface="SimSong Regular"/>
+                <a:sym typeface="SimSong Regular"/>
+              </a:defRPr>
+            </a:pPr>
+            <a:r>
+              <a:t>1、将数组分成三部分，其中第一部分小于0，第二部分等于0，第三部分大于0.</a:t>
+            </a:r>
+          </a:p>
+          <a:p>
+            <a:pPr marL="0" indent="0" defTabSz="859536">
+              <a:lnSpc>
+                <a:spcPct val="150000"/>
+              </a:lnSpc>
+              <a:spcBef>
+                <a:spcPts val="400"/>
+              </a:spcBef>
+              <a:buSzTx/>
+              <a:buNone/>
+              <a:defRPr sz="4700">
+                <a:latin typeface="SimSong Regular"/>
+                <a:ea typeface="SimSong Regular"/>
+                <a:cs typeface="SimSong Regular"/>
+                <a:sym typeface="SimSong Regular"/>
+              </a:defRPr>
+            </a:pPr>
+            <a:r>
+              <a:t>2、先将小于0的部分都看作正数进行排序,确定数组中的最大元素有几位，</a:t>
+            </a:r>
+          </a:p>
+          <a:p>
+            <a:pPr marL="0" indent="0" defTabSz="859536">
+              <a:lnSpc>
+                <a:spcPct val="150000"/>
+              </a:lnSpc>
+              <a:spcBef>
+                <a:spcPts val="400"/>
+              </a:spcBef>
+              <a:buSzTx/>
+              <a:buNone/>
+              <a:defRPr sz="4700">
+                <a:solidFill>
+                  <a:srgbClr val="4D4D4D"/>
+                </a:solidFill>
+                <a:latin typeface="SimSong Regular"/>
+                <a:ea typeface="SimSong Regular"/>
+                <a:cs typeface="SimSong Regular"/>
+                <a:sym typeface="SimSong Regular"/>
+              </a:defRPr>
+            </a:pPr>
+            <a:r>
+              <a:t>创建0~9个桶，依次判断每个元素的个位，十位至maxDigit位，存入对应的桶中，出队，存入原数组；直至maxDigit轮结束输出数组。</a:t>
+            </a:r>
+          </a:p>
+          <a:p>
+            <a:pPr marL="0" indent="0" defTabSz="859536">
+              <a:lnSpc>
+                <a:spcPct val="150000"/>
+              </a:lnSpc>
+              <a:spcBef>
+                <a:spcPts val="400"/>
+              </a:spcBef>
+              <a:buSzTx/>
+              <a:buNone/>
+              <a:defRPr sz="4700">
+                <a:solidFill>
+                  <a:srgbClr val="4D4D4D"/>
+                </a:solidFill>
+                <a:latin typeface="SimSong Regular"/>
+                <a:ea typeface="SimSong Regular"/>
+                <a:cs typeface="SimSong Regular"/>
+                <a:sym typeface="SimSong Regular"/>
+              </a:defRPr>
+            </a:pPr>
+            <a:r>
+              <a:t>3、小于0的部分反向遍历并输出到最终的数组中，然后再对大于0的部分进行基数排序，将排好序的数组正向遍历输出到最终的数组中。</a:t>
+            </a:r>
+          </a:p>
+        </p:txBody>
+      </p:sp>
+      <p:pic>
+        <p:nvPicPr>
+          <p:cNvPr id="215" name="图片 5" descr="图片 5"/>
+          <p:cNvPicPr>
+            <a:picLocks noChangeAspect="1"/>
+          </p:cNvPicPr>
+          <p:nvPr/>
+        </p:nvPicPr>
+        <p:blipFill>
+          <a:blip r:embed="rId2">
+            <a:extLst/>
+          </a:blip>
+          <a:stretch>
+            <a:fillRect/>
+          </a:stretch>
+        </p:blipFill>
+        <p:spPr>
+          <a:xfrm>
+            <a:off x="13970000" y="1778000"/>
+            <a:ext cx="8890000" cy="12518798"/>
+          </a:xfrm>
+          <a:prstGeom prst="rect">
+            <a:avLst/>
+          </a:prstGeom>
+          <a:ln w="12700">
+            <a:miter lim="400000"/>
+          </a:ln>
+        </p:spPr>
+      </p:pic>
     </p:spTree>
   </p:cSld>
   <p:clrMapOvr>
@@ -3931,7 +5554,7 @@
       </p:grpSpPr>
       <p:sp>
         <p:nvSpPr>
-          <p:cNvPr id="154" name="选择排序"/>
+          <p:cNvPr id="163" name="1.1、选择排序"/>
           <p:cNvSpPr txBox="1"/>
           <p:nvPr>
             <p:ph type="title"/>
@@ -3939,8 +5562,8 @@
         </p:nvSpPr>
         <p:spPr>
           <a:xfrm>
-            <a:off x="701421" y="11575"/>
-            <a:ext cx="21971004" cy="1989551"/>
+            <a:off x="0" y="0"/>
+            <a:ext cx="24384000" cy="1905000"/>
           </a:xfrm>
           <a:prstGeom prst="rect">
             <a:avLst/>
@@ -3949,28 +5572,28 @@
         <p:txBody>
           <a:bodyPr/>
           <a:lstStyle>
-            <a:lvl1pPr>
+            <a:lvl1pPr algn="ctr">
               <a:defRPr spc="-140" sz="7000"/>
             </a:lvl1pPr>
           </a:lstStyle>
           <a:p>
             <a:pPr/>
             <a:r>
-              <a:t>选择排序</a:t>
+              <a:t>1.1、选择排序</a:t>
             </a:r>
           </a:p>
         </p:txBody>
       </p:sp>
       <p:sp>
         <p:nvSpPr>
-          <p:cNvPr id="155" name="实现原理如下：…"/>
+          <p:cNvPr id="164" name="实现原理如下：…"/>
           <p:cNvSpPr txBox="1"/>
           <p:nvPr/>
         </p:nvSpPr>
         <p:spPr>
           <a:xfrm>
-            <a:off x="1088558" y="2489199"/>
-            <a:ext cx="22840455" cy="8737602"/>
+            <a:off x="1270000" y="2539999"/>
+            <a:ext cx="21844000" cy="8737603"/>
           </a:xfrm>
           <a:prstGeom prst="rect">
             <a:avLst/>
@@ -4422,7 +6045,7 @@
       </p:grpSpPr>
       <p:sp>
         <p:nvSpPr>
-          <p:cNvPr id="157" name="归并排序"/>
+          <p:cNvPr id="166" name="1.2、归并排序"/>
           <p:cNvSpPr txBox="1"/>
           <p:nvPr>
             <p:ph type="title"/>
@@ -4430,8 +6053,8 @@
         </p:nvSpPr>
         <p:spPr>
           <a:xfrm>
-            <a:off x="895180" y="-72604"/>
-            <a:ext cx="21971004" cy="1810008"/>
+            <a:off x="0" y="0"/>
+            <a:ext cx="24384000" cy="1905000"/>
           </a:xfrm>
           <a:prstGeom prst="rect">
             <a:avLst/>
@@ -4440,28 +6063,28 @@
         <p:txBody>
           <a:bodyPr/>
           <a:lstStyle>
-            <a:lvl1pPr>
+            <a:lvl1pPr algn="ctr">
               <a:defRPr spc="-140" sz="7000"/>
             </a:lvl1pPr>
           </a:lstStyle>
           <a:p>
             <a:pPr/>
             <a:r>
-              <a:t>归并排序</a:t>
+              <a:t>1.2、归并排序</a:t>
             </a:r>
           </a:p>
         </p:txBody>
       </p:sp>
       <p:sp>
         <p:nvSpPr>
-          <p:cNvPr id="158" name="实现原理如下：…"/>
+          <p:cNvPr id="167" name="实现原理如下：…"/>
           <p:cNvSpPr txBox="1"/>
           <p:nvPr/>
         </p:nvSpPr>
         <p:spPr>
           <a:xfrm>
-            <a:off x="771772" y="2038853"/>
-            <a:ext cx="22840455" cy="11658601"/>
+            <a:off x="1270000" y="1905000"/>
+            <a:ext cx="21844000" cy="11658600"/>
           </a:xfrm>
           <a:prstGeom prst="rect">
             <a:avLst/>
@@ -4683,7 +6306,7 @@
       </p:grpSpPr>
       <p:sp>
         <p:nvSpPr>
-          <p:cNvPr id="160" name="快速排序"/>
+          <p:cNvPr id="169" name="1.3、快速排序"/>
           <p:cNvSpPr txBox="1"/>
           <p:nvPr>
             <p:ph type="title"/>
@@ -4691,8 +6314,8 @@
         </p:nvSpPr>
         <p:spPr>
           <a:xfrm>
-            <a:off x="895180" y="-72604"/>
-            <a:ext cx="21971004" cy="1842128"/>
+            <a:off x="0" y="0"/>
+            <a:ext cx="24384000" cy="1905000"/>
           </a:xfrm>
           <a:prstGeom prst="rect">
             <a:avLst/>
@@ -4701,28 +6324,28 @@
         <p:txBody>
           <a:bodyPr/>
           <a:lstStyle>
-            <a:lvl1pPr>
+            <a:lvl1pPr algn="ctr">
               <a:defRPr spc="-140" sz="7000"/>
             </a:lvl1pPr>
           </a:lstStyle>
           <a:p>
             <a:pPr/>
             <a:r>
-              <a:t>快速排序</a:t>
+              <a:t>1.3、快速排序</a:t>
             </a:r>
           </a:p>
         </p:txBody>
       </p:sp>
       <p:sp>
         <p:nvSpPr>
-          <p:cNvPr id="161" name="实现原理如下：…"/>
+          <p:cNvPr id="170" name="实现原理如下：…"/>
           <p:cNvSpPr txBox="1"/>
           <p:nvPr/>
         </p:nvSpPr>
         <p:spPr>
           <a:xfrm>
-            <a:off x="771772" y="1945233"/>
-            <a:ext cx="22840455" cy="11658601"/>
+            <a:off x="1270000" y="1905000"/>
+            <a:ext cx="21844000" cy="11658600"/>
           </a:xfrm>
           <a:prstGeom prst="rect">
             <a:avLst/>
@@ -4944,7 +6567,7 @@
       </p:grpSpPr>
       <p:sp>
         <p:nvSpPr>
-          <p:cNvPr id="163" name="希尔排序"/>
+          <p:cNvPr id="172" name="1.4、希尔排序"/>
           <p:cNvSpPr txBox="1"/>
           <p:nvPr>
             <p:ph type="title" idx="4294967295"/>
@@ -4952,8 +6575,8 @@
         </p:nvSpPr>
         <p:spPr>
           <a:xfrm>
-            <a:off x="895180" y="-72604"/>
-            <a:ext cx="21971004" cy="1842128"/>
+            <a:off x="0" y="0"/>
+            <a:ext cx="24384000" cy="1905000"/>
           </a:xfrm>
           <a:prstGeom prst="rect">
             <a:avLst/>
@@ -4962,7 +6585,7 @@
         <p:txBody>
           <a:bodyPr anchor="ctr"/>
           <a:lstStyle>
-            <a:lvl1pPr>
+            <a:lvl1pPr algn="ctr">
               <a:defRPr b="0" spc="-140" sz="7000">
                 <a:latin typeface="Helvetica Neue Medium"/>
                 <a:ea typeface="Helvetica Neue Medium"/>
@@ -4974,21 +6597,21 @@
           <a:p>
             <a:pPr/>
             <a:r>
-              <a:t>希尔排序</a:t>
+              <a:t>1.4、希尔排序</a:t>
             </a:r>
           </a:p>
         </p:txBody>
       </p:sp>
       <p:sp>
         <p:nvSpPr>
-          <p:cNvPr id="164" name="实现原理如下：…"/>
+          <p:cNvPr id="173" name="实现原理如下：…"/>
           <p:cNvSpPr txBox="1"/>
           <p:nvPr/>
         </p:nvSpPr>
         <p:spPr>
           <a:xfrm>
-            <a:off x="771772" y="1822851"/>
-            <a:ext cx="22840455" cy="11903367"/>
+            <a:off x="1270000" y="1905000"/>
+            <a:ext cx="21844001" cy="11903366"/>
           </a:xfrm>
           <a:prstGeom prst="rect">
             <a:avLst/>
@@ -5396,7 +7019,7 @@
       </p:grpSpPr>
       <p:sp>
         <p:nvSpPr>
-          <p:cNvPr id="166" name="基数排序"/>
+          <p:cNvPr id="175" name="1.5、基数排序"/>
           <p:cNvSpPr txBox="1"/>
           <p:nvPr>
             <p:ph type="title" idx="4294967295"/>
@@ -5404,8 +7027,8 @@
         </p:nvSpPr>
         <p:spPr>
           <a:xfrm>
-            <a:off x="895180" y="-72604"/>
-            <a:ext cx="21971004" cy="1842128"/>
+            <a:off x="0" y="0"/>
+            <a:ext cx="24384000" cy="1905000"/>
           </a:xfrm>
           <a:prstGeom prst="rect">
             <a:avLst/>
@@ -5414,7 +7037,7 @@
         <p:txBody>
           <a:bodyPr anchor="ctr"/>
           <a:lstStyle>
-            <a:lvl1pPr>
+            <a:lvl1pPr algn="ctr">
               <a:defRPr b="0" spc="-140" sz="7000">
                 <a:latin typeface="Helvetica Neue Medium"/>
                 <a:ea typeface="Helvetica Neue Medium"/>
@@ -5426,21 +7049,21 @@
           <a:p>
             <a:pPr/>
             <a:r>
-              <a:t>基数排序</a:t>
+              <a:t>1.5、基数排序</a:t>
             </a:r>
           </a:p>
         </p:txBody>
       </p:sp>
       <p:sp>
         <p:nvSpPr>
-          <p:cNvPr id="167" name="实现原理如下：…"/>
+          <p:cNvPr id="176" name="实现原理如下：…"/>
           <p:cNvSpPr txBox="1"/>
           <p:nvPr/>
         </p:nvSpPr>
         <p:spPr>
           <a:xfrm>
-            <a:off x="771772" y="1913484"/>
-            <a:ext cx="22840455" cy="11722101"/>
+            <a:off x="1270000" y="1905000"/>
+            <a:ext cx="21844000" cy="11722101"/>
           </a:xfrm>
           <a:prstGeom prst="rect">
             <a:avLst/>
@@ -5708,7 +7331,7 @@
       </p:grpSpPr>
       <p:sp>
         <p:nvSpPr>
-          <p:cNvPr id="169" name="分布式排序"/>
+          <p:cNvPr id="178" name="2.1、分布式排序"/>
           <p:cNvSpPr txBox="1"/>
           <p:nvPr>
             <p:ph type="title" idx="4294967295"/>
@@ -5716,8 +7339,8 @@
         </p:nvSpPr>
         <p:spPr>
           <a:xfrm>
-            <a:off x="895180" y="-72604"/>
-            <a:ext cx="21971004" cy="1842128"/>
+            <a:off x="0" y="0"/>
+            <a:ext cx="24384000" cy="1905000"/>
           </a:xfrm>
           <a:prstGeom prst="rect">
             <a:avLst/>
@@ -5726,7 +7349,7 @@
         <p:txBody>
           <a:bodyPr anchor="ctr"/>
           <a:lstStyle>
-            <a:lvl1pPr>
+            <a:lvl1pPr algn="ctr">
               <a:defRPr b="0" spc="-140" sz="7000">
                 <a:latin typeface="Helvetica Neue Medium"/>
                 <a:ea typeface="Helvetica Neue Medium"/>
@@ -5738,14 +7361,14 @@
           <a:p>
             <a:pPr/>
             <a:r>
-              <a:t>分布式排序</a:t>
+              <a:t>2.1、分布式排序</a:t>
             </a:r>
           </a:p>
         </p:txBody>
       </p:sp>
       <p:pic>
         <p:nvPicPr>
-          <p:cNvPr id="170" name="图像" descr="图像"/>
+          <p:cNvPr id="179" name="图像" descr="图像"/>
           <p:cNvPicPr>
             <a:picLocks noChangeAspect="1"/>
           </p:cNvPicPr>
@@ -5761,8 +7384,8 @@
         </p:blipFill>
         <p:spPr>
           <a:xfrm>
-            <a:off x="709134" y="1418216"/>
-            <a:ext cx="21971005" cy="2949812"/>
+            <a:off x="1270000" y="1397000"/>
+            <a:ext cx="21971004" cy="2949811"/>
           </a:xfrm>
           <a:prstGeom prst="rect">
             <a:avLst/>
@@ -5774,14 +7397,14 @@
       </p:pic>
       <p:sp>
         <p:nvSpPr>
-          <p:cNvPr id="171" name="上图为分布式实现方法，第一个参数nums为待排序的数组，第二个参数为数组长度，第三个参数为排序算法。…"/>
+          <p:cNvPr id="180" name="上图为分布式实现方法，第一个参数nums为待排序的数组，第二个参数为数组长度，第三个参数为排序算法。…"/>
           <p:cNvSpPr txBox="1"/>
           <p:nvPr/>
         </p:nvSpPr>
         <p:spPr>
           <a:xfrm>
-            <a:off x="771772" y="4708000"/>
-            <a:ext cx="22840455" cy="7785101"/>
+            <a:off x="1270000" y="4826000"/>
+            <a:ext cx="21844001" cy="7785100"/>
           </a:xfrm>
           <a:prstGeom prst="rect">
             <a:avLst/>
@@ -5959,7 +7582,7 @@
       </p:grpSpPr>
       <p:sp>
         <p:nvSpPr>
-          <p:cNvPr id="173" name="分布式排序"/>
+          <p:cNvPr id="182" name="2.2、分布式排序总结"/>
           <p:cNvSpPr txBox="1"/>
           <p:nvPr>
             <p:ph type="title" idx="4294967295"/>
@@ -5967,8 +7590,8 @@
         </p:nvSpPr>
         <p:spPr>
           <a:xfrm>
-            <a:off x="895180" y="-72604"/>
-            <a:ext cx="21971004" cy="1842128"/>
+            <a:off x="0" y="0"/>
+            <a:ext cx="24384000" cy="1905000"/>
           </a:xfrm>
           <a:prstGeom prst="rect">
             <a:avLst/>
@@ -5977,7 +7600,7 @@
         <p:txBody>
           <a:bodyPr anchor="ctr"/>
           <a:lstStyle>
-            <a:lvl1pPr>
+            <a:lvl1pPr algn="ctr">
               <a:defRPr b="0" spc="-140" sz="7000">
                 <a:latin typeface="Helvetica Neue Medium"/>
                 <a:ea typeface="Helvetica Neue Medium"/>
@@ -5989,21 +7612,21 @@
           <a:p>
             <a:pPr/>
             <a:r>
-              <a:t>分布式排序</a:t>
+              <a:t>2.2、分布式排序总结</a:t>
             </a:r>
           </a:p>
         </p:txBody>
       </p:sp>
       <p:sp>
         <p:nvSpPr>
-          <p:cNvPr id="174" name="分析：…"/>
+          <p:cNvPr id="183" name="分析：…"/>
           <p:cNvSpPr txBox="1"/>
           <p:nvPr/>
         </p:nvSpPr>
         <p:spPr>
           <a:xfrm>
-            <a:off x="771772" y="2044700"/>
-            <a:ext cx="22840455" cy="9626601"/>
+            <a:off x="1270000" y="2032000"/>
+            <a:ext cx="21844000" cy="9626600"/>
           </a:xfrm>
           <a:prstGeom prst="rect">
             <a:avLst/>
@@ -6130,6 +7753,282 @@
             </a:pPr>
             <a:r>
               <a:t>（2）如果数据量较小，整个方法耗时反而比普通排序耗时更长，耗时主要用于线程切换。没有进行智能方法选取。</a:t>
+            </a:r>
+          </a:p>
+        </p:txBody>
+      </p:sp>
+    </p:spTree>
+  </p:cSld>
+  <p:clrMapOvr>
+    <a:masterClrMapping/>
+  </p:clrMapOvr>
+  <p:transition xmlns:p14="http://schemas.microsoft.com/office/powerpoint/2010/main" spd="med" advClick="1"/>
+</p:sld>
+</file>
+
+<file path=ppt/slides/slide9.xml><?xml version="1.0" encoding="utf-8"?>
+<p:sld xmlns:a="http://schemas.openxmlformats.org/drawingml/2006/main" xmlns:r="http://schemas.openxmlformats.org/officeDocument/2006/relationships" xmlns:p="http://schemas.openxmlformats.org/presentationml/2006/main" xmlns:m="http://schemas.openxmlformats.org/officeDocument/2006/math" xmlns:a14="http://schemas.microsoft.com/office/drawing/2010/main" showMasterSp="1" showMasterPhAnim="1">
+  <p:cSld>
+    <p:spTree>
+      <p:nvGrpSpPr>
+        <p:cNvPr id="1" name=""/>
+        <p:cNvGrpSpPr/>
+        <p:nvPr/>
+      </p:nvGrpSpPr>
+      <p:grpSpPr>
+        <a:xfrm>
+          <a:off x="0" y="0"/>
+          <a:ext cx="0" cy="0"/>
+          <a:chOff x="0" y="0"/>
+          <a:chExt cx="0" cy="0"/>
+        </a:xfrm>
+      </p:grpSpPr>
+      <p:sp>
+        <p:nvSpPr>
+          <p:cNvPr id="185" name="标题 1"/>
+          <p:cNvSpPr txBox="1"/>
+          <p:nvPr>
+            <p:ph type="title"/>
+          </p:nvPr>
+        </p:nvSpPr>
+        <p:spPr>
+          <a:xfrm>
+            <a:off x="0" y="0"/>
+            <a:ext cx="24384001" cy="1905000"/>
+          </a:xfrm>
+          <a:prstGeom prst="rect">
+            <a:avLst/>
+          </a:prstGeom>
+        </p:spPr>
+        <p:txBody>
+          <a:bodyPr anchor="ctr"/>
+          <a:lstStyle>
+            <a:lvl1pPr defTabSz="914400">
+              <a:defRPr b="1" sz="7000">
+                <a:latin typeface="+mn-lt"/>
+                <a:ea typeface="+mn-ea"/>
+                <a:cs typeface="+mn-cs"/>
+                <a:sym typeface="Helvetica Neue"/>
+              </a:defRPr>
+            </a:lvl1pPr>
+          </a:lstStyle>
+          <a:p>
+            <a:pPr/>
+            <a:r>
+              <a:t>3、大数排序</a:t>
+            </a:r>
+          </a:p>
+        </p:txBody>
+      </p:sp>
+      <p:sp>
+        <p:nvSpPr>
+          <p:cNvPr id="186" name="副标题 2"/>
+          <p:cNvSpPr txBox="1"/>
+          <p:nvPr>
+            <p:ph type="body" idx="1"/>
+          </p:nvPr>
+        </p:nvSpPr>
+        <p:spPr>
+          <a:xfrm>
+            <a:off x="1270000" y="5080000"/>
+            <a:ext cx="21844001" cy="7620000"/>
+          </a:xfrm>
+          <a:prstGeom prst="rect">
+            <a:avLst/>
+          </a:prstGeom>
+        </p:spPr>
+        <p:txBody>
+          <a:bodyPr/>
+          <a:lstStyle/>
+          <a:p>
+            <a:pPr algn="l" defTabSz="914400">
+              <a:lnSpc>
+                <a:spcPct val="150000"/>
+              </a:lnSpc>
+              <a:spcBef>
+                <a:spcPts val="500"/>
+              </a:spcBef>
+              <a:defRPr sz="5000">
+                <a:latin typeface="SimSong Regular"/>
+                <a:ea typeface="SimSong Regular"/>
+                <a:cs typeface="SimSong Regular"/>
+                <a:sym typeface="SimSong Regular"/>
+              </a:defRPr>
+            </a:pPr>
+            <a:r>
+              <a:t>3.1、创建大数数组</a:t>
+            </a:r>
+          </a:p>
+          <a:p>
+            <a:pPr algn="l" defTabSz="914400">
+              <a:lnSpc>
+                <a:spcPct val="150000"/>
+              </a:lnSpc>
+              <a:spcBef>
+                <a:spcPts val="500"/>
+              </a:spcBef>
+              <a:defRPr sz="5000">
+                <a:latin typeface="SimSong Regular"/>
+                <a:ea typeface="SimSong Regular"/>
+                <a:cs typeface="SimSong Regular"/>
+                <a:sym typeface="SimSong Regular"/>
+              </a:defRPr>
+            </a:pPr>
+            <a:r>
+              <a:t>3.2、比较算法</a:t>
+            </a:r>
+          </a:p>
+          <a:p>
+            <a:pPr algn="l" defTabSz="914400">
+              <a:lnSpc>
+                <a:spcPct val="150000"/>
+              </a:lnSpc>
+              <a:spcBef>
+                <a:spcPts val="500"/>
+              </a:spcBef>
+              <a:defRPr sz="5000">
+                <a:latin typeface="SimSong Regular"/>
+                <a:ea typeface="SimSong Regular"/>
+                <a:cs typeface="SimSong Regular"/>
+                <a:sym typeface="SimSong Regular"/>
+              </a:defRPr>
+            </a:pPr>
+            <a:r>
+              <a:t>3.3、大数选择排序</a:t>
+            </a:r>
+          </a:p>
+          <a:p>
+            <a:pPr algn="l" defTabSz="914400">
+              <a:lnSpc>
+                <a:spcPct val="150000"/>
+              </a:lnSpc>
+              <a:spcBef>
+                <a:spcPts val="500"/>
+              </a:spcBef>
+              <a:defRPr sz="5000">
+                <a:latin typeface="SimSong Regular"/>
+                <a:ea typeface="SimSong Regular"/>
+                <a:cs typeface="SimSong Regular"/>
+                <a:sym typeface="SimSong Regular"/>
+              </a:defRPr>
+            </a:pPr>
+            <a:r>
+              <a:t>3.4、大数归并排序</a:t>
+            </a:r>
+          </a:p>
+          <a:p>
+            <a:pPr algn="l" defTabSz="914400">
+              <a:lnSpc>
+                <a:spcPct val="150000"/>
+              </a:lnSpc>
+              <a:spcBef>
+                <a:spcPts val="500"/>
+              </a:spcBef>
+              <a:defRPr sz="5000">
+                <a:latin typeface="SimSong Regular"/>
+                <a:ea typeface="SimSong Regular"/>
+                <a:cs typeface="SimSong Regular"/>
+                <a:sym typeface="SimSong Regular"/>
+              </a:defRPr>
+            </a:pPr>
+            <a:r>
+              <a:t>3.5、大数快速排序</a:t>
+            </a:r>
+          </a:p>
+          <a:p>
+            <a:pPr algn="l" defTabSz="914400">
+              <a:lnSpc>
+                <a:spcPct val="150000"/>
+              </a:lnSpc>
+              <a:spcBef>
+                <a:spcPts val="500"/>
+              </a:spcBef>
+              <a:defRPr sz="5000">
+                <a:latin typeface="SimSong Regular"/>
+                <a:ea typeface="SimSong Regular"/>
+                <a:cs typeface="SimSong Regular"/>
+                <a:sym typeface="SimSong Regular"/>
+              </a:defRPr>
+            </a:pPr>
+            <a:r>
+              <a:t>3.6、大数希尔排序</a:t>
+            </a:r>
+          </a:p>
+          <a:p>
+            <a:pPr algn="l" defTabSz="914400">
+              <a:lnSpc>
+                <a:spcPct val="150000"/>
+              </a:lnSpc>
+              <a:spcBef>
+                <a:spcPts val="500"/>
+              </a:spcBef>
+              <a:defRPr sz="5000">
+                <a:latin typeface="SimSong Regular"/>
+                <a:ea typeface="SimSong Regular"/>
+                <a:cs typeface="SimSong Regular"/>
+                <a:sym typeface="SimSong Regular"/>
+              </a:defRPr>
+            </a:pPr>
+            <a:r>
+              <a:t>3.7、大数基数排序</a:t>
+            </a:r>
+          </a:p>
+        </p:txBody>
+      </p:sp>
+      <p:sp>
+        <p:nvSpPr>
+          <p:cNvPr id="187" name="副标题 2"/>
+          <p:cNvSpPr txBox="1"/>
+          <p:nvPr/>
+        </p:nvSpPr>
+        <p:spPr>
+          <a:xfrm>
+            <a:off x="0" y="2032000"/>
+            <a:ext cx="24384000" cy="1270000"/>
+          </a:xfrm>
+          <a:prstGeom prst="rect">
+            <a:avLst/>
+          </a:prstGeom>
+          <a:ln w="12700">
+            <a:miter lim="400000"/>
+          </a:ln>
+          <a:extLst>
+            <a:ext uri="{C572A759-6A51-4108-AA02-DFA0A04FC94B}">
+              <ma14:wrappingTextBoxFlag xmlns:ma14="http://schemas.microsoft.com/office/mac/drawingml/2011/main" val="1"/>
+            </a:ext>
+          </a:extLst>
+        </p:spPr>
+        <p:txBody>
+          <a:bodyPr tIns="91439" bIns="91439" anchor="ctr">
+            <a:normAutofit fontScale="100000" lnSpcReduction="0"/>
+          </a:bodyPr>
+          <a:lstStyle/>
+          <a:p>
+            <a:pPr defTabSz="1828800">
+              <a:lnSpc>
+                <a:spcPct val="90000"/>
+              </a:lnSpc>
+              <a:spcBef>
+                <a:spcPts val="2000"/>
+              </a:spcBef>
+              <a:defRPr sz="6000">
+                <a:solidFill>
+                  <a:srgbClr val="000000"/>
+                </a:solidFill>
+                <a:latin typeface="SimSong Regular"/>
+                <a:ea typeface="SimSong Regular"/>
+                <a:cs typeface="SimSong Regular"/>
+                <a:sym typeface="SimSong Regular"/>
+              </a:defRPr>
+            </a:pPr>
+            <a:r>
+              <a:t>用</a:t>
+            </a:r>
+            <a:r>
+              <a:t>c</a:t>
+            </a:r>
+            <a:r>
+              <a:t>语言字符串表示大数，并将其进行排序</a:t>
             </a:r>
           </a:p>
         </p:txBody>

--- a/答辩报告.pptx
+++ b/答辩报告.pptx
@@ -22,8 +22,6 @@
     <p:sldId id="267" r:id="rId19"/>
     <p:sldId id="268" r:id="rId20"/>
     <p:sldId id="269" r:id="rId21"/>
-    <p:sldId id="270" r:id="rId22"/>
-    <p:sldId id="271" r:id="rId23"/>
   </p:sldIdLst>
   <p:sldSz cx="24384000" cy="13716000"/>
   <p:notesSz cx="6858000" cy="9144000"/>
@@ -4098,8 +4096,8 @@
         </p:nvSpPr>
         <p:spPr>
           <a:xfrm>
-            <a:off x="15240000" y="8890000"/>
-            <a:ext cx="8890000" cy="1168400"/>
+            <a:off x="15240000" y="8889999"/>
+            <a:ext cx="8890000" cy="1168401"/>
           </a:xfrm>
           <a:prstGeom prst="rect">
             <a:avLst/>
@@ -4166,7 +4164,7 @@
       </p:grpSpPr>
       <p:sp>
         <p:nvSpPr>
-          <p:cNvPr id="189" name="3.1、创建大数数组"/>
+          <p:cNvPr id="189" name="3.1、大数选择排序"/>
           <p:cNvSpPr txBox="1"/>
           <p:nvPr>
             <p:ph type="title" idx="4294967295"/>
@@ -4175,7 +4173,7 @@
         <p:spPr>
           <a:xfrm>
             <a:off x="0" y="0"/>
-            <a:ext cx="24384000" cy="1900176"/>
+            <a:ext cx="24384000" cy="1905001"/>
           </a:xfrm>
           <a:prstGeom prst="rect">
             <a:avLst/>
@@ -4199,14 +4197,14 @@
           <a:p>
             <a:pPr/>
             <a:r>
-              <a:t>3.1、创建大数数组</a:t>
+              <a:t>3.1、大数选择排序</a:t>
             </a:r>
           </a:p>
         </p:txBody>
       </p:sp>
       <p:sp>
         <p:nvSpPr>
-          <p:cNvPr id="190" name="用一个len*size的二维数组存储所有的大数，表示有len个数，每个数最大为size位。将两个随机数转化为字符串后将其拼接起来，即成为一个由字符串来表示的大数，该大数最大可表示10^size-1。此处size设为1000，满足题目要求。"/>
+          <p:cNvPr id="190" name="由于选择排序是基于比较的排序，所以大数的选择排序与普通的选择排序基本一样。…"/>
           <p:cNvSpPr txBox="1"/>
           <p:nvPr>
             <p:ph type="body" sz="half" idx="4294967295"/>
@@ -4214,8 +4212,8 @@
         </p:nvSpPr>
         <p:spPr>
           <a:xfrm>
-            <a:off x="1270000" y="2539999"/>
-            <a:ext cx="10160001" cy="7620001"/>
+            <a:off x="1270000" y="2032000"/>
+            <a:ext cx="10795000" cy="11430000"/>
           </a:xfrm>
           <a:prstGeom prst="rect">
             <a:avLst/>
@@ -4242,50 +4240,77 @@
               </a:defRPr>
             </a:pPr>
             <a:r>
-              <a:t>用一个</a:t>
-            </a:r>
-            <a:r>
-              <a:t>len*size</a:t>
-            </a:r>
-            <a:r>
-              <a:t>的二维数组存储所有的大数，表示有</a:t>
-            </a:r>
-            <a:r>
-              <a:t>len</a:t>
-            </a:r>
-            <a:r>
-              <a:t>个数，每个数最大为</a:t>
-            </a:r>
-            <a:r>
-              <a:t>size</a:t>
-            </a:r>
-            <a:r>
-              <a:t>位。将两个随机数转化为字符串后将其拼接起来，即成为一个由字符串来表示的大数，该大数最大可表示</a:t>
-            </a:r>
-            <a:r>
-              <a:t>10^size-1</a:t>
-            </a:r>
-            <a:r>
-              <a:t>。此处</a:t>
-            </a:r>
-            <a:r>
-              <a:t>size</a:t>
-            </a:r>
-            <a:r>
-              <a:t>设为</a:t>
-            </a:r>
-            <a:r>
-              <a:t>1000</a:t>
-            </a:r>
-            <a:r>
-              <a:t>，满足题目要求。</a:t>
+              <a:t>由于选择排序是基于比较的排序，所以大数的选择排序与普通的选择排序基本一样。</a:t>
+            </a:r>
+          </a:p>
+          <a:p>
+            <a:pPr marL="0" indent="0" defTabSz="914400">
+              <a:lnSpc>
+                <a:spcPct val="150000"/>
+              </a:lnSpc>
+              <a:spcBef>
+                <a:spcPts val="500"/>
+              </a:spcBef>
+              <a:buSzTx/>
+              <a:buNone/>
+              <a:defRPr sz="5000">
+                <a:latin typeface="SimSong Regular"/>
+                <a:ea typeface="SimSong Regular"/>
+                <a:cs typeface="SimSong Regular"/>
+                <a:sym typeface="SimSong Regular"/>
+              </a:defRPr>
+            </a:pPr>
+            <a:r>
+              <a:t>1.从第一个大数开始，向后遍历数组，找到最小的大数，将这个数与第一个数交换位置。</a:t>
+            </a:r>
+          </a:p>
+          <a:p>
+            <a:pPr marL="0" indent="0" defTabSz="914400">
+              <a:lnSpc>
+                <a:spcPct val="150000"/>
+              </a:lnSpc>
+              <a:spcBef>
+                <a:spcPts val="500"/>
+              </a:spcBef>
+              <a:buSzTx/>
+              <a:buNone/>
+              <a:defRPr sz="5000">
+                <a:latin typeface="SimSong Regular"/>
+                <a:ea typeface="SimSong Regular"/>
+                <a:cs typeface="SimSong Regular"/>
+                <a:sym typeface="SimSong Regular"/>
+              </a:defRPr>
+            </a:pPr>
+            <a:r>
+              <a:t>2.第一个位置找到之后，到下一个位置，继续往后找最小的数，并与当前位置的大数交换位置。</a:t>
+            </a:r>
+          </a:p>
+          <a:p>
+            <a:pPr marL="0" indent="0" defTabSz="914400">
+              <a:lnSpc>
+                <a:spcPct val="150000"/>
+              </a:lnSpc>
+              <a:spcBef>
+                <a:spcPts val="500"/>
+              </a:spcBef>
+              <a:buSzTx/>
+              <a:buNone/>
+              <a:defRPr sz="5000">
+                <a:latin typeface="SimSong Regular"/>
+                <a:ea typeface="SimSong Regular"/>
+                <a:cs typeface="SimSong Regular"/>
+                <a:sym typeface="SimSong Regular"/>
+              </a:defRPr>
+            </a:pPr>
+            <a:r>
+              <a:t>3.以此类推，直到遍历完整个数组。</a:t>
             </a:r>
           </a:p>
         </p:txBody>
       </p:sp>
       <p:pic>
         <p:nvPicPr>
-          <p:cNvPr id="191" name="图片 4" descr="图片 4"/>
+          <p:cNvPr id="191" name="图片 7" descr="图片 7"/>
           <p:cNvPicPr>
             <a:picLocks noChangeAspect="1"/>
           </p:cNvPicPr>
@@ -4301,8 +4326,8 @@
         </p:blipFill>
         <p:spPr>
           <a:xfrm>
-            <a:off x="12065000" y="2540000"/>
-            <a:ext cx="12065000" cy="9798244"/>
+            <a:off x="12700000" y="2032000"/>
+            <a:ext cx="11430000" cy="9232985"/>
           </a:xfrm>
           <a:prstGeom prst="rect">
             <a:avLst/>
@@ -4340,7 +4365,7 @@
       </p:grpSpPr>
       <p:sp>
         <p:nvSpPr>
-          <p:cNvPr id="193" name="3.2、定义大数的比较算法"/>
+          <p:cNvPr id="193" name="3.2、大数归并排序"/>
           <p:cNvSpPr txBox="1"/>
           <p:nvPr>
             <p:ph type="title" idx="4294967295"/>
@@ -4373,14 +4398,14 @@
           <a:p>
             <a:pPr/>
             <a:r>
-              <a:t>3.2、定义大数的比较算法</a:t>
+              <a:t>3.2、大数归并排序</a:t>
             </a:r>
           </a:p>
         </p:txBody>
       </p:sp>
       <p:sp>
         <p:nvSpPr>
-          <p:cNvPr id="194" name="1、先判断字符串首位，若为“-”则该大数为负数…"/>
+          <p:cNvPr id="194" name="由于归并排序是基于比较的排序，所以大数的归并排序与普通的归并排序基本一样。…"/>
           <p:cNvSpPr txBox="1"/>
           <p:nvPr>
             <p:ph type="body" sz="half" idx="4294967295"/>
@@ -4388,8 +4413,8 @@
         </p:nvSpPr>
         <p:spPr>
           <a:xfrm>
-            <a:off x="1270000" y="2540000"/>
-            <a:ext cx="12700000" cy="7620000"/>
+            <a:off x="1270000" y="2032000"/>
+            <a:ext cx="10795000" cy="11430000"/>
           </a:xfrm>
           <a:prstGeom prst="rect">
             <a:avLst/>
@@ -4399,16 +4424,16 @@
           <a:bodyPr lIns="45719" tIns="45719" rIns="45719" bIns="45719"/>
           <a:lstStyle/>
           <a:p>
-            <a:pPr marL="0" indent="0" defTabSz="914400">
+            <a:pPr marL="0" indent="0" defTabSz="804672">
               <a:lnSpc>
                 <a:spcPct val="150000"/>
               </a:lnSpc>
               <a:spcBef>
-                <a:spcPts val="500"/>
+                <a:spcPts val="400"/>
               </a:spcBef>
               <a:buSzTx/>
               <a:buNone/>
-              <a:defRPr sz="5000">
+              <a:defRPr sz="4400">
                 <a:latin typeface="SimSong Regular"/>
                 <a:ea typeface="SimSong Regular"/>
                 <a:cs typeface="SimSong Regular"/>
@@ -4416,20 +4441,20 @@
               </a:defRPr>
             </a:pPr>
             <a:r>
-              <a:t>1、先判断字符串首位，若为“-”则该大数为负数</a:t>
-            </a:r>
-          </a:p>
-          <a:p>
-            <a:pPr marL="0" indent="0" defTabSz="914400">
+              <a:t>由于归并排序是基于比较的排序，所以大数的归并排序与普通的归并排序基本一样。</a:t>
+            </a:r>
+          </a:p>
+          <a:p>
+            <a:pPr marL="0" indent="0" defTabSz="804672">
               <a:lnSpc>
                 <a:spcPct val="150000"/>
               </a:lnSpc>
               <a:spcBef>
-                <a:spcPts val="500"/>
+                <a:spcPts val="400"/>
               </a:spcBef>
               <a:buSzTx/>
               <a:buNone/>
-              <a:defRPr sz="5000">
+              <a:defRPr sz="4400">
                 <a:latin typeface="SimSong Regular"/>
                 <a:ea typeface="SimSong Regular"/>
                 <a:cs typeface="SimSong Regular"/>
@@ -4437,20 +4462,20 @@
               </a:defRPr>
             </a:pPr>
             <a:r>
-              <a:t>2、若两数一正一负，则正数必然大于负数。</a:t>
-            </a:r>
-          </a:p>
-          <a:p>
-            <a:pPr marL="0" indent="0" defTabSz="914400">
+              <a:t>1.将数组递归地分成两半，直到每个数组只剩下一个元素，此时可认为数组已有序，</a:t>
+            </a:r>
+          </a:p>
+          <a:p>
+            <a:pPr marL="0" indent="0" defTabSz="804672">
               <a:lnSpc>
                 <a:spcPct val="150000"/>
               </a:lnSpc>
               <a:spcBef>
-                <a:spcPts val="500"/>
+                <a:spcPts val="400"/>
               </a:spcBef>
               <a:buSzTx/>
               <a:buNone/>
-              <a:defRPr sz="5000">
+              <a:defRPr sz="4400">
                 <a:latin typeface="SimSong Regular"/>
                 <a:ea typeface="SimSong Regular"/>
                 <a:cs typeface="SimSong Regular"/>
@@ -4458,28 +4483,7 @@
               </a:defRPr>
             </a:pPr>
             <a:r>
-              <a:t>3、若符号相同，则位数越大的数，其绝对值越大。</a:t>
-            </a:r>
-          </a:p>
-          <a:p>
-            <a:pPr marL="0" indent="0" defTabSz="914400">
-              <a:lnSpc>
-                <a:spcPct val="150000"/>
-              </a:lnSpc>
-              <a:spcBef>
-                <a:spcPts val="500"/>
-              </a:spcBef>
-              <a:buSzTx/>
-              <a:buNone/>
-              <a:defRPr sz="5000">
-                <a:latin typeface="SimSong Regular"/>
-                <a:ea typeface="SimSong Regular"/>
-                <a:cs typeface="SimSong Regular"/>
-                <a:sym typeface="SimSong Regular"/>
-              </a:defRPr>
-            </a:pPr>
-            <a:r>
-              <a:t>4、若位数相同，则从高位到低位逐位进行比较，若某一位的值大，则该数的绝对值大。</a:t>
+              <a:t>2.用二指针的方法将已有序的两个数组归并为一个数组。初始时，两个指针分别指向两个数组的最小数的位置，比较这两个最小的数，小的那个被放到最终的数组，并将该指针指向下一个数。以此类推，当其中一个数组没有元素时，将另一个数组的元素全部放进最终的数组里。递归退出时，数组就排好序了。</a:t>
             </a:r>
           </a:p>
         </p:txBody>
@@ -4502,8 +4506,8 @@
         </p:blipFill>
         <p:spPr>
           <a:xfrm>
-            <a:off x="15240000" y="1524000"/>
-            <a:ext cx="8255000" cy="12732381"/>
+            <a:off x="12700000" y="2032000"/>
+            <a:ext cx="11430000" cy="9184867"/>
           </a:xfrm>
           <a:prstGeom prst="rect">
             <a:avLst/>
@@ -4541,7 +4545,7 @@
       </p:grpSpPr>
       <p:sp>
         <p:nvSpPr>
-          <p:cNvPr id="197" name="3.3、大数选择排序"/>
+          <p:cNvPr id="197" name="3.3、大数快速排序"/>
           <p:cNvSpPr txBox="1"/>
           <p:nvPr>
             <p:ph type="title" idx="4294967295"/>
@@ -4550,7 +4554,7 @@
         <p:spPr>
           <a:xfrm>
             <a:off x="0" y="0"/>
-            <a:ext cx="24384000" cy="1905001"/>
+            <a:ext cx="24384000" cy="1901494"/>
           </a:xfrm>
           <a:prstGeom prst="rect">
             <a:avLst/>
@@ -4574,14 +4578,14 @@
           <a:p>
             <a:pPr/>
             <a:r>
-              <a:t>3.3、大数选择排序</a:t>
+              <a:t>3.3、大数快速排序</a:t>
             </a:r>
           </a:p>
         </p:txBody>
       </p:sp>
       <p:sp>
         <p:nvSpPr>
-          <p:cNvPr id="198" name="由于选择排序是基于比较的排序，所以大数的选择排序与普通的选择排序基本一样。…"/>
+          <p:cNvPr id="198" name="由于快速排序是基于比较的排序，所以大数的快速排序与普通的快速排序基本一样。…"/>
           <p:cNvSpPr txBox="1"/>
           <p:nvPr>
             <p:ph type="body" sz="half" idx="4294967295"/>
@@ -4589,8 +4593,8 @@
         </p:nvSpPr>
         <p:spPr>
           <a:xfrm>
-            <a:off x="1269999" y="2032000"/>
-            <a:ext cx="10795001" cy="11430000"/>
+            <a:off x="1270000" y="2032000"/>
+            <a:ext cx="11067297" cy="11154023"/>
           </a:xfrm>
           <a:prstGeom prst="rect">
             <a:avLst/>
@@ -4617,7 +4621,7 @@
               </a:defRPr>
             </a:pPr>
             <a:r>
-              <a:t>由于选择排序是基于比较的排序，所以大数的选择排序与普通的选择排序基本一样。</a:t>
+              <a:t>由于快速排序是基于比较的排序，所以大数的快速排序与普通的快速排序基本一样。</a:t>
             </a:r>
           </a:p>
           <a:p>
@@ -4638,7 +4642,7 @@
               </a:defRPr>
             </a:pPr>
             <a:r>
-              <a:t>1、从第一个大数开始，向后遍历数组，找到最小的大数，将这个数与第一个数交换位置。</a:t>
+              <a:t>1.取数组最右边的数，将数组划分为两个部分，其中左边的数都比所取的数小，右边的数都比所取的数大，这时所取的数就处在了它最终的位置上。</a:t>
             </a:r>
           </a:p>
           <a:p>
@@ -4659,35 +4663,14 @@
               </a:defRPr>
             </a:pPr>
             <a:r>
-              <a:t>2、第一个位置找到之后，到下一个位置，继续往后找最小的数，并与当前位置的大数交换位置。</a:t>
-            </a:r>
-          </a:p>
-          <a:p>
-            <a:pPr marL="0" indent="0" defTabSz="914400">
-              <a:lnSpc>
-                <a:spcPct val="150000"/>
-              </a:lnSpc>
-              <a:spcBef>
-                <a:spcPts val="500"/>
-              </a:spcBef>
-              <a:buSzTx/>
-              <a:buNone/>
-              <a:defRPr sz="5000">
-                <a:latin typeface="SimSong Regular"/>
-                <a:ea typeface="SimSong Regular"/>
-                <a:cs typeface="SimSong Regular"/>
-                <a:sym typeface="SimSong Regular"/>
-              </a:defRPr>
-            </a:pPr>
-            <a:r>
-              <a:t>3、以此类推，直到遍历完整个数组。</a:t>
+              <a:t>2.将左右两个数组看作新的数组，递归执行一的操作，直到数组长度为1，此时退出递归。</a:t>
             </a:r>
           </a:p>
         </p:txBody>
       </p:sp>
       <p:pic>
         <p:nvPicPr>
-          <p:cNvPr id="199" name="图片 7" descr="图片 7"/>
+          <p:cNvPr id="199" name="图片 5" descr="图片 5"/>
           <p:cNvPicPr>
             <a:picLocks noChangeAspect="1"/>
           </p:cNvPicPr>
@@ -4703,8 +4686,8 @@
         </p:blipFill>
         <p:spPr>
           <a:xfrm>
-            <a:off x="12700000" y="2032000"/>
-            <a:ext cx="11430001" cy="9232985"/>
+            <a:off x="12700000" y="1905000"/>
+            <a:ext cx="11430000" cy="11249843"/>
           </a:xfrm>
           <a:prstGeom prst="rect">
             <a:avLst/>
@@ -4742,7 +4725,7 @@
       </p:grpSpPr>
       <p:sp>
         <p:nvSpPr>
-          <p:cNvPr id="201" name="3.4、大数归并排序"/>
+          <p:cNvPr id="201" name="3.4、大数希尔排序"/>
           <p:cNvSpPr txBox="1"/>
           <p:nvPr>
             <p:ph type="title" idx="4294967295"/>
@@ -4751,7 +4734,7 @@
         <p:spPr>
           <a:xfrm>
             <a:off x="0" y="0"/>
-            <a:ext cx="24384000" cy="1905001"/>
+            <a:ext cx="24384000" cy="1902101"/>
           </a:xfrm>
           <a:prstGeom prst="rect">
             <a:avLst/>
@@ -4775,14 +4758,14 @@
           <a:p>
             <a:pPr/>
             <a:r>
-              <a:t>3.4、大数归并排序</a:t>
+              <a:t>3.4、大数希尔排序</a:t>
             </a:r>
           </a:p>
         </p:txBody>
       </p:sp>
       <p:sp>
         <p:nvSpPr>
-          <p:cNvPr id="202" name="由于归并排序是基于比较的排序，所以大数的归并排序与普通的归并排序基本一样。…"/>
+          <p:cNvPr id="202" name="由于希尔排序是基于比较的排序，所以大数的希尔排序与普通的希尔排序基本一样。…"/>
           <p:cNvSpPr txBox="1"/>
           <p:nvPr>
             <p:ph type="body" sz="half" idx="4294967295"/>
@@ -4790,8 +4773,8 @@
         </p:nvSpPr>
         <p:spPr>
           <a:xfrm>
-            <a:off x="1270000" y="2031999"/>
-            <a:ext cx="10795000" cy="11430001"/>
+            <a:off x="1270000" y="1905000"/>
+            <a:ext cx="10160000" cy="11430000"/>
           </a:xfrm>
           <a:prstGeom prst="rect">
             <a:avLst/>
@@ -4810,16 +4793,56 @@
               </a:spcBef>
               <a:buSzTx/>
               <a:buNone/>
-              <a:defRPr sz="4400">
-                <a:latin typeface="SimSong Regular"/>
-                <a:ea typeface="SimSong Regular"/>
-                <a:cs typeface="SimSong Regular"/>
-                <a:sym typeface="SimSong Regular"/>
-              </a:defRPr>
+              <a:defRPr sz="4400"/>
             </a:pPr>
             <a:r>
-              <a:t>由于归并排序是基于比较的排序，所以大数的归并排序与普通的归并排序基本一样。</a:t>
-            </a:r>
+              <a:t>由于希尔排序是基于比较的排序，所以大数的希尔排序与普通的希尔排序基本一样。</a:t>
+            </a:r>
+          </a:p>
+          <a:p>
+            <a:pPr marL="0" indent="0" defTabSz="804672">
+              <a:lnSpc>
+                <a:spcPct val="150000"/>
+              </a:lnSpc>
+              <a:spcBef>
+                <a:spcPts val="400"/>
+              </a:spcBef>
+              <a:buSzTx/>
+              <a:buNone/>
+              <a:defRPr sz="4400"/>
+            </a:pPr>
+            <a:r>
+              <a:t>把数组</a:t>
+            </a:r>
+            <a:r>
+              <a:rPr>
+                <a:solidFill>
+                  <a:srgbClr val="333333"/>
+                </a:solidFill>
+              </a:rPr>
+              <a:t>按下标的一定增量分组，对每组使用直接插入排序算法排序；随着增量逐渐减少，当增量减至 </a:t>
+            </a:r>
+            <a:r>
+              <a:rPr>
+                <a:solidFill>
+                  <a:srgbClr val="333333"/>
+                </a:solidFill>
+              </a:rPr>
+              <a:t>1 </a:t>
+            </a:r>
+            <a:r>
+              <a:rPr>
+                <a:solidFill>
+                  <a:srgbClr val="333333"/>
+                </a:solidFill>
+              </a:rPr>
+              <a:t>时，即完成排序。</a:t>
+            </a:r>
+            <a:endParaRPr>
+              <a:solidFill>
+                <a:srgbClr val="333333"/>
+              </a:solidFill>
+            </a:endParaRPr>
           </a:p>
           <a:p>
             <a:pPr marL="0" indent="0" defTabSz="804672">
@@ -4832,14 +4855,16 @@
               <a:buSzTx/>
               <a:buNone/>
               <a:defRPr sz="4400">
-                <a:latin typeface="SimSong Regular"/>
-                <a:ea typeface="SimSong Regular"/>
-                <a:cs typeface="SimSong Regular"/>
-                <a:sym typeface="SimSong Regular"/>
+                <a:solidFill>
+                  <a:srgbClr val="333333"/>
+                </a:solidFill>
               </a:defRPr>
             </a:pPr>
             <a:r>
-              <a:t>1、将数组递归地分成两半，直到每个数组只剩下一个元素，此时可认为数组已有序，</a:t>
+              <a:t>1.</a:t>
+            </a:r>
+            <a:r>
+              <a:t>增量初始化为数组长度的一半，每次循环增量都减少为一半。</a:t>
             </a:r>
           </a:p>
           <a:p>
@@ -4853,14 +4878,16 @@
               <a:buSzTx/>
               <a:buNone/>
               <a:defRPr sz="4400">
-                <a:latin typeface="SimSong Regular"/>
-                <a:ea typeface="SimSong Regular"/>
-                <a:cs typeface="SimSong Regular"/>
-                <a:sym typeface="SimSong Regular"/>
+                <a:solidFill>
+                  <a:srgbClr val="333333"/>
+                </a:solidFill>
               </a:defRPr>
             </a:pPr>
             <a:r>
-              <a:t>2、用二指针的方法将已有序的两个数组归并为一个数组。初始时，两个指针分别指向两个数组的最小数的位置，比较这两个最小的数，小的那个被放到最终的数组，并将该指针指向下一个数。以此类推，当其中一个数组没有元素时，将另一个数组的元素全部放进最终的数组里。递归退出时，数组就排好序了。</a:t>
+              <a:t>2.</a:t>
+            </a:r>
+            <a:r>
+              <a:t>对每组使用直接插入排序算法排序。</a:t>
             </a:r>
           </a:p>
         </p:txBody>
@@ -4884,7 +4911,7 @@
         <p:spPr>
           <a:xfrm>
             <a:off x="12700000" y="2032000"/>
-            <a:ext cx="11430000" cy="9184867"/>
+            <a:ext cx="12700000" cy="8720671"/>
           </a:xfrm>
           <a:prstGeom prst="rect">
             <a:avLst/>
@@ -4922,411 +4949,7 @@
       </p:grpSpPr>
       <p:sp>
         <p:nvSpPr>
-          <p:cNvPr id="205" name="3.5、大数快速排序"/>
-          <p:cNvSpPr txBox="1"/>
-          <p:nvPr>
-            <p:ph type="title" idx="4294967295"/>
-          </p:nvPr>
-        </p:nvSpPr>
-        <p:spPr>
-          <a:xfrm>
-            <a:off x="0" y="0"/>
-            <a:ext cx="24384001" cy="1901494"/>
-          </a:xfrm>
-          <a:prstGeom prst="rect">
-            <a:avLst/>
-          </a:prstGeom>
-        </p:spPr>
-        <p:txBody>
-          <a:bodyPr lIns="45719" tIns="45719" rIns="45719" bIns="45719" anchor="ctr"/>
-          <a:lstStyle>
-            <a:lvl1pPr algn="ctr" defTabSz="914400">
-              <a:lnSpc>
-                <a:spcPct val="90000"/>
-              </a:lnSpc>
-              <a:defRPr b="0" spc="0" sz="7000">
-                <a:latin typeface="Helvetica Neue Medium"/>
-                <a:ea typeface="Helvetica Neue Medium"/>
-                <a:cs typeface="Helvetica Neue Medium"/>
-                <a:sym typeface="Helvetica Neue Medium"/>
-              </a:defRPr>
-            </a:lvl1pPr>
-          </a:lstStyle>
-          <a:p>
-            <a:pPr/>
-            <a:r>
-              <a:t>3.5、大数快速排序</a:t>
-            </a:r>
-          </a:p>
-        </p:txBody>
-      </p:sp>
-      <p:sp>
-        <p:nvSpPr>
-          <p:cNvPr id="206" name="由于快速排序是基于比较的排序，所以大数的快速排序与普通的快速排序基本一样。…"/>
-          <p:cNvSpPr txBox="1"/>
-          <p:nvPr>
-            <p:ph type="body" sz="half" idx="4294967295"/>
-          </p:nvPr>
-        </p:nvSpPr>
-        <p:spPr>
-          <a:xfrm>
-            <a:off x="1270000" y="2032000"/>
-            <a:ext cx="11067297" cy="11154023"/>
-          </a:xfrm>
-          <a:prstGeom prst="rect">
-            <a:avLst/>
-          </a:prstGeom>
-        </p:spPr>
-        <p:txBody>
-          <a:bodyPr lIns="45719" tIns="45719" rIns="45719" bIns="45719"/>
-          <a:lstStyle/>
-          <a:p>
-            <a:pPr marL="0" indent="0" defTabSz="914400">
-              <a:lnSpc>
-                <a:spcPct val="150000"/>
-              </a:lnSpc>
-              <a:spcBef>
-                <a:spcPts val="500"/>
-              </a:spcBef>
-              <a:buSzTx/>
-              <a:buNone/>
-              <a:defRPr sz="5000">
-                <a:latin typeface="SimSong Regular"/>
-                <a:ea typeface="SimSong Regular"/>
-                <a:cs typeface="SimSong Regular"/>
-                <a:sym typeface="SimSong Regular"/>
-              </a:defRPr>
-            </a:pPr>
-            <a:r>
-              <a:t>由于快速排序是基于比较的排序，所以大数的快速排序与普通的快速排序基本一样。</a:t>
-            </a:r>
-          </a:p>
-          <a:p>
-            <a:pPr marL="0" indent="0" defTabSz="914400">
-              <a:lnSpc>
-                <a:spcPct val="150000"/>
-              </a:lnSpc>
-              <a:spcBef>
-                <a:spcPts val="500"/>
-              </a:spcBef>
-              <a:buSzTx/>
-              <a:buNone/>
-              <a:defRPr sz="5000">
-                <a:latin typeface="SimSong Regular"/>
-                <a:ea typeface="SimSong Regular"/>
-                <a:cs typeface="SimSong Regular"/>
-                <a:sym typeface="SimSong Regular"/>
-              </a:defRPr>
-            </a:pPr>
-            <a:r>
-              <a:t>1、取数组最右边的数，将数组划分为两个部分，其中左边的数都比所取的数小，右边的数都比所取的数大，这时所取的数就处在了它最终的位置上。</a:t>
-            </a:r>
-          </a:p>
-          <a:p>
-            <a:pPr marL="0" indent="0" defTabSz="914400">
-              <a:lnSpc>
-                <a:spcPct val="150000"/>
-              </a:lnSpc>
-              <a:spcBef>
-                <a:spcPts val="500"/>
-              </a:spcBef>
-              <a:buSzTx/>
-              <a:buNone/>
-              <a:defRPr sz="5000">
-                <a:latin typeface="SimSong Regular"/>
-                <a:ea typeface="SimSong Regular"/>
-                <a:cs typeface="SimSong Regular"/>
-                <a:sym typeface="SimSong Regular"/>
-              </a:defRPr>
-            </a:pPr>
-            <a:r>
-              <a:t>2、将左右两个数组看作新的数组，递归执行一的操作，直到数组长度为1，此时退出递归。</a:t>
-            </a:r>
-          </a:p>
-        </p:txBody>
-      </p:sp>
-      <p:pic>
-        <p:nvPicPr>
-          <p:cNvPr id="207" name="图片 5" descr="图片 5"/>
-          <p:cNvPicPr>
-            <a:picLocks noChangeAspect="1"/>
-          </p:cNvPicPr>
-          <p:nvPr/>
-        </p:nvPicPr>
-        <p:blipFill>
-          <a:blip r:embed="rId2">
-            <a:extLst/>
-          </a:blip>
-          <a:stretch>
-            <a:fillRect/>
-          </a:stretch>
-        </p:blipFill>
-        <p:spPr>
-          <a:xfrm>
-            <a:off x="12700000" y="1905000"/>
-            <a:ext cx="11430000" cy="11249842"/>
-          </a:xfrm>
-          <a:prstGeom prst="rect">
-            <a:avLst/>
-          </a:prstGeom>
-          <a:ln w="12700">
-            <a:miter lim="400000"/>
-          </a:ln>
-        </p:spPr>
-      </p:pic>
-    </p:spTree>
-  </p:cSld>
-  <p:clrMapOvr>
-    <a:masterClrMapping/>
-  </p:clrMapOvr>
-  <p:transition xmlns:p14="http://schemas.microsoft.com/office/powerpoint/2010/main" spd="med" advClick="1"/>
-</p:sld>
-</file>
-
-<file path=ppt/slides/slide15.xml><?xml version="1.0" encoding="utf-8"?>
-<p:sld xmlns:a="http://schemas.openxmlformats.org/drawingml/2006/main" xmlns:r="http://schemas.openxmlformats.org/officeDocument/2006/relationships" xmlns:p="http://schemas.openxmlformats.org/presentationml/2006/main" xmlns:m="http://schemas.openxmlformats.org/officeDocument/2006/math" xmlns:a14="http://schemas.microsoft.com/office/drawing/2010/main" showMasterSp="1" showMasterPhAnim="1">
-  <p:cSld>
-    <p:spTree>
-      <p:nvGrpSpPr>
-        <p:cNvPr id="1" name=""/>
-        <p:cNvGrpSpPr/>
-        <p:nvPr/>
-      </p:nvGrpSpPr>
-      <p:grpSpPr>
-        <a:xfrm>
-          <a:off x="0" y="0"/>
-          <a:ext cx="0" cy="0"/>
-          <a:chOff x="0" y="0"/>
-          <a:chExt cx="0" cy="0"/>
-        </a:xfrm>
-      </p:grpSpPr>
-      <p:sp>
-        <p:nvSpPr>
-          <p:cNvPr id="209" name="3.5、大数希尔排序"/>
-          <p:cNvSpPr txBox="1"/>
-          <p:nvPr>
-            <p:ph type="title" idx="4294967295"/>
-          </p:nvPr>
-        </p:nvSpPr>
-        <p:spPr>
-          <a:xfrm>
-            <a:off x="0" y="0"/>
-            <a:ext cx="24384000" cy="1902101"/>
-          </a:xfrm>
-          <a:prstGeom prst="rect">
-            <a:avLst/>
-          </a:prstGeom>
-        </p:spPr>
-        <p:txBody>
-          <a:bodyPr lIns="45719" tIns="45719" rIns="45719" bIns="45719" anchor="ctr"/>
-          <a:lstStyle>
-            <a:lvl1pPr algn="ctr" defTabSz="914400">
-              <a:lnSpc>
-                <a:spcPct val="90000"/>
-              </a:lnSpc>
-              <a:defRPr b="0" spc="0" sz="7000">
-                <a:latin typeface="Helvetica Neue Medium"/>
-                <a:ea typeface="Helvetica Neue Medium"/>
-                <a:cs typeface="Helvetica Neue Medium"/>
-                <a:sym typeface="Helvetica Neue Medium"/>
-              </a:defRPr>
-            </a:lvl1pPr>
-          </a:lstStyle>
-          <a:p>
-            <a:pPr/>
-            <a:r>
-              <a:t>3.5、大数希尔排序</a:t>
-            </a:r>
-          </a:p>
-        </p:txBody>
-      </p:sp>
-      <p:sp>
-        <p:nvSpPr>
-          <p:cNvPr id="210" name="由于希尔排序是基于比较的排序，所以大数的希尔排序与普通的希尔排序基本一样。…"/>
-          <p:cNvSpPr txBox="1"/>
-          <p:nvPr>
-            <p:ph type="body" sz="half" idx="4294967295"/>
-          </p:nvPr>
-        </p:nvSpPr>
-        <p:spPr>
-          <a:xfrm>
-            <a:off x="1270000" y="1905000"/>
-            <a:ext cx="10160001" cy="11430000"/>
-          </a:xfrm>
-          <a:prstGeom prst="rect">
-            <a:avLst/>
-          </a:prstGeom>
-        </p:spPr>
-        <p:txBody>
-          <a:bodyPr lIns="45719" tIns="45719" rIns="45719" bIns="45719"/>
-          <a:lstStyle/>
-          <a:p>
-            <a:pPr marL="0" indent="0" defTabSz="795527">
-              <a:lnSpc>
-                <a:spcPct val="150000"/>
-              </a:lnSpc>
-              <a:spcBef>
-                <a:spcPts val="400"/>
-              </a:spcBef>
-              <a:buSzTx/>
-              <a:buNone/>
-              <a:defRPr sz="4350"/>
-            </a:pPr>
-            <a:r>
-              <a:t>由于希尔排序是基于比较的排序，所以大数的希尔排序与普通的希尔排序基本一样。</a:t>
-            </a:r>
-          </a:p>
-          <a:p>
-            <a:pPr marL="0" indent="0" defTabSz="795527">
-              <a:lnSpc>
-                <a:spcPct val="150000"/>
-              </a:lnSpc>
-              <a:spcBef>
-                <a:spcPts val="400"/>
-              </a:spcBef>
-              <a:buSzTx/>
-              <a:buNone/>
-              <a:defRPr sz="4350"/>
-            </a:pPr>
-            <a:r>
-              <a:t>  把数组</a:t>
-            </a:r>
-            <a:r>
-              <a:rPr>
-                <a:solidFill>
-                  <a:srgbClr val="333333"/>
-                </a:solidFill>
-              </a:rPr>
-              <a:t>按下标的一定增量分组，对每组使用直接插入排序算法排序；随着增量逐渐减少，当增量减至 </a:t>
-            </a:r>
-            <a:r>
-              <a:rPr>
-                <a:solidFill>
-                  <a:srgbClr val="333333"/>
-                </a:solidFill>
-              </a:rPr>
-              <a:t>1 </a:t>
-            </a:r>
-            <a:r>
-              <a:rPr>
-                <a:solidFill>
-                  <a:srgbClr val="333333"/>
-                </a:solidFill>
-              </a:rPr>
-              <a:t>时，即完成排序。</a:t>
-            </a:r>
-            <a:endParaRPr>
-              <a:solidFill>
-                <a:srgbClr val="333333"/>
-              </a:solidFill>
-            </a:endParaRPr>
-          </a:p>
-          <a:p>
-            <a:pPr marL="0" indent="0" defTabSz="795527">
-              <a:lnSpc>
-                <a:spcPct val="150000"/>
-              </a:lnSpc>
-              <a:spcBef>
-                <a:spcPts val="400"/>
-              </a:spcBef>
-              <a:buSzTx/>
-              <a:buNone/>
-              <a:defRPr sz="4350">
-                <a:solidFill>
-                  <a:srgbClr val="333333"/>
-                </a:solidFill>
-              </a:defRPr>
-            </a:pPr>
-            <a:r>
-              <a:t>1、</a:t>
-            </a:r>
-            <a:r>
-              <a:t>增量初始化为数组长度的一半，每次循环增量都减少为一半。</a:t>
-            </a:r>
-          </a:p>
-          <a:p>
-            <a:pPr marL="0" indent="0" defTabSz="795527">
-              <a:lnSpc>
-                <a:spcPct val="150000"/>
-              </a:lnSpc>
-              <a:spcBef>
-                <a:spcPts val="400"/>
-              </a:spcBef>
-              <a:buSzTx/>
-              <a:buNone/>
-              <a:defRPr sz="4350">
-                <a:solidFill>
-                  <a:srgbClr val="333333"/>
-                </a:solidFill>
-              </a:defRPr>
-            </a:pPr>
-            <a:r>
-              <a:t>2、</a:t>
-            </a:r>
-            <a:r>
-              <a:t>对每组使用直接插入排序算法排序。</a:t>
-            </a:r>
-          </a:p>
-        </p:txBody>
-      </p:sp>
-      <p:pic>
-        <p:nvPicPr>
-          <p:cNvPr id="211" name="图片 5" descr="图片 5"/>
-          <p:cNvPicPr>
-            <a:picLocks noChangeAspect="1"/>
-          </p:cNvPicPr>
-          <p:nvPr/>
-        </p:nvPicPr>
-        <p:blipFill>
-          <a:blip r:embed="rId2">
-            <a:extLst/>
-          </a:blip>
-          <a:stretch>
-            <a:fillRect/>
-          </a:stretch>
-        </p:blipFill>
-        <p:spPr>
-          <a:xfrm>
-            <a:off x="12699999" y="2032000"/>
-            <a:ext cx="12700001" cy="8720671"/>
-          </a:xfrm>
-          <a:prstGeom prst="rect">
-            <a:avLst/>
-          </a:prstGeom>
-          <a:ln w="12700">
-            <a:miter lim="400000"/>
-          </a:ln>
-        </p:spPr>
-      </p:pic>
-    </p:spTree>
-  </p:cSld>
-  <p:clrMapOvr>
-    <a:masterClrMapping/>
-  </p:clrMapOvr>
-  <p:transition xmlns:p14="http://schemas.microsoft.com/office/powerpoint/2010/main" spd="med" advClick="1"/>
-</p:sld>
-</file>
-
-<file path=ppt/slides/slide16.xml><?xml version="1.0" encoding="utf-8"?>
-<p:sld xmlns:a="http://schemas.openxmlformats.org/drawingml/2006/main" xmlns:r="http://schemas.openxmlformats.org/officeDocument/2006/relationships" xmlns:p="http://schemas.openxmlformats.org/presentationml/2006/main" xmlns:m="http://schemas.openxmlformats.org/officeDocument/2006/math" xmlns:a14="http://schemas.microsoft.com/office/drawing/2010/main" showMasterSp="1" showMasterPhAnim="1">
-  <p:cSld>
-    <p:spTree>
-      <p:nvGrpSpPr>
-        <p:cNvPr id="1" name=""/>
-        <p:cNvGrpSpPr/>
-        <p:nvPr/>
-      </p:nvGrpSpPr>
-      <p:grpSpPr>
-        <a:xfrm>
-          <a:off x="0" y="0"/>
-          <a:ext cx="0" cy="0"/>
-          <a:chOff x="0" y="0"/>
-          <a:chExt cx="0" cy="0"/>
-        </a:xfrm>
-      </p:grpSpPr>
-      <p:sp>
-        <p:nvSpPr>
-          <p:cNvPr id="213" name="3.6、大数基数排序"/>
+          <p:cNvPr id="205" name="3.5、大数基数排序"/>
           <p:cNvSpPr txBox="1"/>
           <p:nvPr>
             <p:ph type="title" idx="4294967295"/>
@@ -5359,14 +4982,14 @@
           <a:p>
             <a:pPr/>
             <a:r>
-              <a:t>3.6、大数基数排序</a:t>
+              <a:t>3.5、大数基数排序</a:t>
             </a:r>
           </a:p>
         </p:txBody>
       </p:sp>
       <p:sp>
         <p:nvSpPr>
-          <p:cNvPr id="214" name="由于基数排序不是基于比较的排序，所以大数的基数排序与普通的基数排序基本差别较大，但都是通过比较数的各位上的值来进行排序的。…"/>
+          <p:cNvPr id="206" name="由于基数排序不是基于比较的排序，所以大数的基数排序与普通的基数排序基本差别较大，但都是通过比较数的各位上的值来进行排序的。…"/>
           <p:cNvSpPr txBox="1"/>
           <p:nvPr>
             <p:ph type="body" idx="4294967295"/>
@@ -5423,7 +5046,7 @@
               </a:defRPr>
             </a:pPr>
             <a:r>
-              <a:t>1、将数组分成三部分，其中第一部分小于0，第二部分等于0，第三部分大于0.</a:t>
+              <a:t>1.将数组分成三部分，其中第一部分小于0，第二部分等于0，第三部分大于0.</a:t>
             </a:r>
           </a:p>
           <a:p>
@@ -5444,7 +5067,7 @@
               </a:defRPr>
             </a:pPr>
             <a:r>
-              <a:t>2、先将小于0的部分都看作正数进行排序,确定数组中的最大元素有几位，</a:t>
+              <a:t>2.先将小于0的部分都看作正数进行排序,确定数组中的最大元素有几位，</a:t>
             </a:r>
           </a:p>
           <a:p>
@@ -5458,9 +5081,6 @@
               <a:buSzTx/>
               <a:buNone/>
               <a:defRPr sz="4700">
-                <a:solidFill>
-                  <a:srgbClr val="4D4D4D"/>
-                </a:solidFill>
                 <a:latin typeface="SimSong Regular"/>
                 <a:ea typeface="SimSong Regular"/>
                 <a:cs typeface="SimSong Regular"/>
@@ -5482,9 +5102,6 @@
               <a:buSzTx/>
               <a:buNone/>
               <a:defRPr sz="4700">
-                <a:solidFill>
-                  <a:srgbClr val="4D4D4D"/>
-                </a:solidFill>
                 <a:latin typeface="SimSong Regular"/>
                 <a:ea typeface="SimSong Regular"/>
                 <a:cs typeface="SimSong Regular"/>
@@ -5492,14 +5109,14 @@
               </a:defRPr>
             </a:pPr>
             <a:r>
-              <a:t>3、小于0的部分反向遍历并输出到最终的数组中，然后再对大于0的部分进行基数排序，将排好序的数组正向遍历输出到最终的数组中。</a:t>
+              <a:t>3.小于0的部分反向遍历并输出到最终的数组中，然后再对大于0的部分进行基数排序，将排好序的数组正向遍历输出到最终的数组中。</a:t>
             </a:r>
           </a:p>
         </p:txBody>
       </p:sp>
       <p:pic>
         <p:nvPicPr>
-          <p:cNvPr id="215" name="图片 5" descr="图片 5"/>
+          <p:cNvPr id="207" name="图片 5" descr="图片 5"/>
           <p:cNvPicPr>
             <a:picLocks noChangeAspect="1"/>
           </p:cNvPicPr>
@@ -6012,7 +5629,7 @@
               </m:oMath>
             </a14:m>
             <a:r>
-              <a:t> 无论什么数据进去都是 O(n²) 的时间复杂度。所以用到它的时候，数据规模越小越好。唯一的好处可能就是不占用额外的内存空间了吧。</a:t>
+              <a:t> 无论什么数据进去都是 O(n²) 的时间复杂度。所以用到它的时候，数据规模越小越好。好处是不占用额外的内存空间。</a:t>
             </a:r>
           </a:p>
         </p:txBody>
@@ -6083,8 +5700,8 @@
         </p:nvSpPr>
         <p:spPr>
           <a:xfrm>
-            <a:off x="1270000" y="1905000"/>
-            <a:ext cx="21844000" cy="11658600"/>
+            <a:off x="1270000" y="2031999"/>
+            <a:ext cx="21844000" cy="11658601"/>
           </a:xfrm>
           <a:prstGeom prst="rect">
             <a:avLst/>
@@ -6273,7 +5890,7 @@
               </a:defRPr>
             </a:pPr>
             <a:r>
-              <a:t>2.归并排序是建立在归并操作上的一种有效的排序算法。该算法是采用分治法的一个非常典型的应用。将已有序的子序列合并，得到完全有序的序列；即先使每个子序列有序，再使子序列段间有序。代价是需要额外的内存空间，如果参与排序的数据量大，需要大量额外内存空间。若将两个有序表合并成一个有序表，称为2-路归并。 该算法时间复杂度为O(nlogn)。</a:t>
+              <a:t>2.归并排序是建立在归并操作上的一种有效的排序算法。该算法是采用分治法的一个非常典型的应用。将已有序的子序列合并，得到完全有序的序列；即先使每个子序列有序，再使子序列段间有序。代价是需要额外的内存空间，如果参与排序的数据量大，需要大量额外内存空间。该算法时间复杂度为O(nlogn)。</a:t>
             </a:r>
           </a:p>
         </p:txBody>
@@ -6344,8 +5961,8 @@
         </p:nvSpPr>
         <p:spPr>
           <a:xfrm>
-            <a:off x="1270000" y="1905000"/>
-            <a:ext cx="21844000" cy="11658600"/>
+            <a:off x="1270000" y="2031999"/>
+            <a:ext cx="21844000" cy="11658601"/>
           </a:xfrm>
           <a:prstGeom prst="rect">
             <a:avLst/>
@@ -6405,7 +6022,7 @@
               </a:defRPr>
             </a:pPr>
             <a:r>
-              <a:t>​ 1.从数列中挑出最后一个元素，称为“基准”（pivot）;</a:t>
+              <a:t>​1.从数列中挑出最后一个元素，称为“基准”（pivot）;</a:t>
             </a:r>
           </a:p>
           <a:p>
@@ -6427,7 +6044,7 @@
               </a:defRPr>
             </a:pPr>
             <a:r>
-              <a:t>​ 2.重新排序数列，所有元素比基准值小的摆放在基准前面，所有元素比基准值大的摆在基准的后面（相同的数可以到任一边）。在这个分区退出之后，该基准就处于数列的中间位置。这个称为分区（partition）操作；</a:t>
+              <a:t>​2.重新排序数列，所有元素比基准值小的摆放在基准前面，所有元素比基准值大的摆在基准的后面（相同的数可以到任一边）。在这个分区退出之后，该基准就处于数列的中间位置。这个称为分区（partition）操作；</a:t>
             </a:r>
           </a:p>
           <a:p>
@@ -6449,7 +6066,7 @@
               </a:defRPr>
             </a:pPr>
             <a:r>
-              <a:t>​ 3.递归地（recursive）把小于基准值元素的子数列和大于基准值元素的子数列排序。</a:t>
+              <a:t>​3.递归地（recursive）把小于基准值元素的子数列和大于基准值元素的子数列排序。</a:t>
             </a:r>
           </a:p>
           <a:p>
@@ -6534,7 +6151,7 @@
               </a:defRPr>
             </a:pPr>
             <a:r>
-              <a:t>2.快速排序通常明显比其他 Ο(nlogn) 算法更快，因为它的内部循环，可以在大部分的架构上很有效率地被实现出来</a:t>
+              <a:t>2.快速排序通常明显比其他 Ο(nlogn) 算法更快，因为它的内部循环，可以在大部分的架构上很有效率地被实现出来。</a:t>
             </a:r>
           </a:p>
         </p:txBody>
@@ -6610,8 +6227,8 @@
         </p:nvSpPr>
         <p:spPr>
           <a:xfrm>
-            <a:off x="1270000" y="1905000"/>
-            <a:ext cx="21844001" cy="11903366"/>
+            <a:off x="1270000" y="2032000"/>
+            <a:ext cx="21844000" cy="11204866"/>
           </a:xfrm>
           <a:prstGeom prst="rect">
             <a:avLst/>
@@ -6671,7 +6288,7 @@
               </a:defRPr>
             </a:pPr>
             <a:r>
-              <a:t>​​ 1.选择一个增量序列 </a:t>
+              <a:t>​​1.选择一个增量序列 </a:t>
             </a:r>
             <a14:m>
               <m:oMath>
@@ -6879,7 +6496,7 @@
               </a:defRPr>
             </a:pPr>
             <a:r>
-              <a:t>​ 2.按增量序列个数 k，对序列进行 k 趟排序；</a:t>
+              <a:t>​2.按增量序列个数 k，对序列进行 k 趟排序；</a:t>
             </a:r>
           </a:p>
           <a:p>
@@ -6888,7 +6505,7 @@
                 <a:spcPct val="150000"/>
               </a:lnSpc>
               <a:spcBef>
-                <a:spcPts val="500"/>
+                <a:spcPts val="3000"/>
               </a:spcBef>
               <a:defRPr sz="5000">
                 <a:solidFill>
@@ -6901,11 +6518,11 @@
               </a:defRPr>
             </a:pPr>
             <a:r>
-              <a:t>​ 3.每趟排序，根据对应的增量 d，将待排序列分割成若干长度为 m 的子序列，分别对各子表进行直接插入排序。仅增量因子为 1 时，整个序列作为一个表来处理，表长度即为整个序列的长度。</a:t>
-            </a:r>
-          </a:p>
-          <a:p>
-            <a:pPr algn="l" defTabSz="457200">
+              <a:t>​3.每趟排序，根据对应的增量 d，将待排序列分割成若干长度为 m 的子序列，分别对各子表进行直接插入排序。仅增量因子为 1 时，整个序列作为一个表来处理，表长度即为整个序列的长度。</a:t>
+            </a:r>
+          </a:p>
+          <a:p>
+            <a:pPr algn="l">
               <a:lnSpc>
                 <a:spcPct val="150000"/>
               </a:lnSpc>
@@ -6922,6 +6539,9 @@
                 <a:sym typeface="SimSong Regular"/>
               </a:defRPr>
             </a:pPr>
+            <a:r>
+              <a:t>分析：</a:t>
+            </a:r>
           </a:p>
           <a:p>
             <a:pPr algn="l">
@@ -6942,7 +6562,7 @@
               </a:defRPr>
             </a:pPr>
             <a:r>
-              <a:t>分析：</a:t>
+              <a:t>1.希尔排序是不稳定排序；</a:t>
             </a:r>
           </a:p>
           <a:p>
@@ -6964,29 +6584,7 @@
               </a:defRPr>
             </a:pPr>
             <a:r>
-              <a:t>1.希尔排序是不稳定排序；</a:t>
-            </a:r>
-          </a:p>
-          <a:p>
-            <a:pPr algn="l">
-              <a:lnSpc>
-                <a:spcPct val="150000"/>
-              </a:lnSpc>
-              <a:spcBef>
-                <a:spcPts val="500"/>
-              </a:spcBef>
-              <a:defRPr sz="5000">
-                <a:solidFill>
-                  <a:srgbClr val="000000"/>
-                </a:solidFill>
-                <a:latin typeface="SimSong Regular"/>
-                <a:ea typeface="SimSong Regular"/>
-                <a:cs typeface="SimSong Regular"/>
-                <a:sym typeface="SimSong Regular"/>
-              </a:defRPr>
-            </a:pPr>
-            <a:r>
-              <a:t>2.希尔排序在插入排序算法的基础上进行了改进，算法的时间复杂度与冒泡、选择，插入等算法相比有较大的改进，但希尔排序是不稳定排序算法。该算法时间复杂度为O(nlogn)</a:t>
+              <a:t>2.希尔排序在插入排序算法的基础上进行了改进，算法的时间复杂度与冒泡、选择，插入等算法相比有较大的改进，但希尔排序是不稳定排序算法。该算法时间复杂度为O(nlogn)。</a:t>
             </a:r>
           </a:p>
         </p:txBody>
@@ -7062,7 +6660,7 @@
         </p:nvSpPr>
         <p:spPr>
           <a:xfrm>
-            <a:off x="1270000" y="1905000"/>
+            <a:off x="1270000" y="2032000"/>
             <a:ext cx="21844000" cy="11722101"/>
           </a:xfrm>
           <a:prstGeom prst="rect">
@@ -7123,7 +6721,7 @@
               </a:defRPr>
             </a:pPr>
             <a:r>
-              <a:t>​​ 1.将所有待比较数值（自然数）统一为同样的数位长度，数位较短的数前面补零。</a:t>
+              <a:t>​​1.将所有待比较数值（自然数）统一为同样的数位长度，数位较短的数前面补零。</a:t>
             </a:r>
           </a:p>
           <a:p>
@@ -7384,7 +6982,7 @@
         </p:blipFill>
         <p:spPr>
           <a:xfrm>
-            <a:off x="1270000" y="1397000"/>
+            <a:off x="1270000" y="2032000"/>
             <a:ext cx="21971004" cy="2949811"/>
           </a:xfrm>
           <a:prstGeom prst="rect">
@@ -7403,8 +7001,8 @@
         </p:nvSpPr>
         <p:spPr>
           <a:xfrm>
-            <a:off x="1270000" y="4826000"/>
-            <a:ext cx="21844001" cy="7785100"/>
+            <a:off x="1269999" y="5714999"/>
+            <a:ext cx="21844001" cy="7785101"/>
           </a:xfrm>
           <a:prstGeom prst="rect">
             <a:avLst/>
@@ -7626,7 +7224,7 @@
         <p:spPr>
           <a:xfrm>
             <a:off x="1270000" y="2032000"/>
-            <a:ext cx="21844000" cy="9626600"/>
+            <a:ext cx="21844000" cy="9626601"/>
           </a:xfrm>
           <a:prstGeom prst="rect">
             <a:avLst/>
@@ -7794,7 +7392,7 @@
         <p:spPr>
           <a:xfrm>
             <a:off x="0" y="0"/>
-            <a:ext cx="24384001" cy="1905000"/>
+            <a:ext cx="24384000" cy="1905000"/>
           </a:xfrm>
           <a:prstGeom prst="rect">
             <a:avLst/>
@@ -7831,7 +7429,7 @@
         <p:spPr>
           <a:xfrm>
             <a:off x="1270000" y="5080000"/>
-            <a:ext cx="21844001" cy="7620000"/>
+            <a:ext cx="21844000" cy="7620000"/>
           </a:xfrm>
           <a:prstGeom prst="rect">
             <a:avLst/>
@@ -7856,7 +7454,7 @@
               </a:defRPr>
             </a:pPr>
             <a:r>
-              <a:t>3.1、创建大数数组</a:t>
+              <a:t>3.1、大数选择排序</a:t>
             </a:r>
           </a:p>
           <a:p>
@@ -7875,7 +7473,7 @@
               </a:defRPr>
             </a:pPr>
             <a:r>
-              <a:t>3.2、比较算法</a:t>
+              <a:t>3.2、大数归并排序</a:t>
             </a:r>
           </a:p>
           <a:p>
@@ -7894,7 +7492,7 @@
               </a:defRPr>
             </a:pPr>
             <a:r>
-              <a:t>3.3、大数选择排序</a:t>
+              <a:t>3.3、大数快速排序</a:t>
             </a:r>
           </a:p>
           <a:p>
@@ -7913,7 +7511,7 @@
               </a:defRPr>
             </a:pPr>
             <a:r>
-              <a:t>3.4、大数归并排序</a:t>
+              <a:t>3.4、大数希尔排序</a:t>
             </a:r>
           </a:p>
           <a:p>
@@ -7932,45 +7530,7 @@
               </a:defRPr>
             </a:pPr>
             <a:r>
-              <a:t>3.5、大数快速排序</a:t>
-            </a:r>
-          </a:p>
-          <a:p>
-            <a:pPr algn="l" defTabSz="914400">
-              <a:lnSpc>
-                <a:spcPct val="150000"/>
-              </a:lnSpc>
-              <a:spcBef>
-                <a:spcPts val="500"/>
-              </a:spcBef>
-              <a:defRPr sz="5000">
-                <a:latin typeface="SimSong Regular"/>
-                <a:ea typeface="SimSong Regular"/>
-                <a:cs typeface="SimSong Regular"/>
-                <a:sym typeface="SimSong Regular"/>
-              </a:defRPr>
-            </a:pPr>
-            <a:r>
-              <a:t>3.6、大数希尔排序</a:t>
-            </a:r>
-          </a:p>
-          <a:p>
-            <a:pPr algn="l" defTabSz="914400">
-              <a:lnSpc>
-                <a:spcPct val="150000"/>
-              </a:lnSpc>
-              <a:spcBef>
-                <a:spcPts val="500"/>
-              </a:spcBef>
-              <a:defRPr sz="5000">
-                <a:latin typeface="SimSong Regular"/>
-                <a:ea typeface="SimSong Regular"/>
-                <a:cs typeface="SimSong Regular"/>
-                <a:sym typeface="SimSong Regular"/>
-              </a:defRPr>
-            </a:pPr>
-            <a:r>
-              <a:t>3.7、大数基数排序</a:t>
+              <a:t>3.5、大数基数排序</a:t>
             </a:r>
           </a:p>
         </p:txBody>

--- a/答辩报告.pptx
+++ b/答辩报告.pptx
@@ -4136,6 +4136,57 @@
           </a:p>
         </p:txBody>
       </p:sp>
+      <p:sp>
+        <p:nvSpPr>
+          <p:cNvPr id="162" name="git仓库地址：https://github.com/wanggy820/algorithm"/>
+          <p:cNvSpPr txBox="1"/>
+          <p:nvPr/>
+        </p:nvSpPr>
+        <p:spPr>
+          <a:xfrm>
+            <a:off x="10966647" y="12464998"/>
+            <a:ext cx="12738852" cy="812801"/>
+          </a:xfrm>
+          <a:prstGeom prst="rect">
+            <a:avLst/>
+          </a:prstGeom>
+          <a:ln w="12700">
+            <a:miter lim="400000"/>
+          </a:ln>
+          <a:extLst>
+            <a:ext uri="{C572A759-6A51-4108-AA02-DFA0A04FC94B}">
+              <ma14:wrappingTextBoxFlag xmlns:ma14="http://schemas.microsoft.com/office/mac/drawingml/2011/main" val="1"/>
+            </a:ext>
+          </a:extLst>
+        </p:spPr>
+        <p:txBody>
+          <a:bodyPr lIns="50800" tIns="50800" rIns="50800" bIns="50800" anchor="ctr">
+            <a:spAutoFit/>
+          </a:bodyPr>
+          <a:lstStyle/>
+          <a:p>
+            <a:pPr algn="l">
+              <a:defRPr sz="4000">
+                <a:solidFill>
+                  <a:srgbClr val="000000"/>
+                </a:solidFill>
+              </a:defRPr>
+            </a:pPr>
+            <a:r>
+              <a:t>git仓库地址：</a:t>
+            </a:r>
+            <a:r>
+              <a:rPr u="sng">
+                <a:solidFill>
+                  <a:srgbClr val="0433FF"/>
+                </a:solidFill>
+                <a:hlinkClick r:id="rId2" invalidUrl="" action="" tgtFrame="" tooltip="" history="1" highlightClick="0" endSnd="0"/>
+              </a:rPr>
+              <a:t>https://github.com/wanggy820/algorithm</a:t>
+            </a:r>
+          </a:p>
+        </p:txBody>
+      </p:sp>
     </p:spTree>
   </p:cSld>
   <p:clrMapOvr>
@@ -4164,7 +4215,7 @@
       </p:grpSpPr>
       <p:sp>
         <p:nvSpPr>
-          <p:cNvPr id="189" name="3.1、大数选择排序"/>
+          <p:cNvPr id="190" name="3.1、大数选择排序"/>
           <p:cNvSpPr txBox="1"/>
           <p:nvPr>
             <p:ph type="title" idx="4294967295"/>
@@ -4204,7 +4255,7 @@
       </p:sp>
       <p:sp>
         <p:nvSpPr>
-          <p:cNvPr id="190" name="由于选择排序是基于比较的排序，所以大数的选择排序与普通的选择排序基本一样。…"/>
+          <p:cNvPr id="191" name="由于选择排序是基于比较的排序，所以大数的选择排序与普通的选择排序基本一样。…"/>
           <p:cNvSpPr txBox="1"/>
           <p:nvPr>
             <p:ph type="body" sz="half" idx="4294967295"/>
@@ -4310,7 +4361,7 @@
       </p:sp>
       <p:pic>
         <p:nvPicPr>
-          <p:cNvPr id="191" name="图片 7" descr="图片 7"/>
+          <p:cNvPr id="192" name="图片 7" descr="图片 7"/>
           <p:cNvPicPr>
             <a:picLocks noChangeAspect="1"/>
           </p:cNvPicPr>
@@ -4365,7 +4416,7 @@
       </p:grpSpPr>
       <p:sp>
         <p:nvSpPr>
-          <p:cNvPr id="193" name="3.2、大数归并排序"/>
+          <p:cNvPr id="194" name="3.2、大数归并排序"/>
           <p:cNvSpPr txBox="1"/>
           <p:nvPr>
             <p:ph type="title" idx="4294967295"/>
@@ -4405,7 +4456,7 @@
       </p:sp>
       <p:sp>
         <p:nvSpPr>
-          <p:cNvPr id="194" name="由于归并排序是基于比较的排序，所以大数的归并排序与普通的归并排序基本一样。…"/>
+          <p:cNvPr id="195" name="由于归并排序是基于比较的排序，所以大数的归并排序与普通的归并排序基本一样。…"/>
           <p:cNvSpPr txBox="1"/>
           <p:nvPr>
             <p:ph type="body" sz="half" idx="4294967295"/>
@@ -4490,7 +4541,7 @@
       </p:sp>
       <p:pic>
         <p:nvPicPr>
-          <p:cNvPr id="195" name="图片 5" descr="图片 5"/>
+          <p:cNvPr id="196" name="图片 5" descr="图片 5"/>
           <p:cNvPicPr>
             <a:picLocks noChangeAspect="1"/>
           </p:cNvPicPr>
@@ -4545,7 +4596,7 @@
       </p:grpSpPr>
       <p:sp>
         <p:nvSpPr>
-          <p:cNvPr id="197" name="3.3、大数快速排序"/>
+          <p:cNvPr id="198" name="3.3、大数快速排序"/>
           <p:cNvSpPr txBox="1"/>
           <p:nvPr>
             <p:ph type="title" idx="4294967295"/>
@@ -4585,7 +4636,7 @@
       </p:sp>
       <p:sp>
         <p:nvSpPr>
-          <p:cNvPr id="198" name="由于快速排序是基于比较的排序，所以大数的快速排序与普通的快速排序基本一样。…"/>
+          <p:cNvPr id="199" name="由于快速排序是基于比较的排序，所以大数的快速排序与普通的快速排序基本一样。…"/>
           <p:cNvSpPr txBox="1"/>
           <p:nvPr>
             <p:ph type="body" sz="half" idx="4294967295"/>
@@ -4670,7 +4721,7 @@
       </p:sp>
       <p:pic>
         <p:nvPicPr>
-          <p:cNvPr id="199" name="图片 5" descr="图片 5"/>
+          <p:cNvPr id="200" name="图片 5" descr="图片 5"/>
           <p:cNvPicPr>
             <a:picLocks noChangeAspect="1"/>
           </p:cNvPicPr>
@@ -4725,7 +4776,7 @@
       </p:grpSpPr>
       <p:sp>
         <p:nvSpPr>
-          <p:cNvPr id="201" name="3.4、大数希尔排序"/>
+          <p:cNvPr id="202" name="3.4、大数希尔排序"/>
           <p:cNvSpPr txBox="1"/>
           <p:nvPr>
             <p:ph type="title" idx="4294967295"/>
@@ -4765,7 +4816,7 @@
       </p:sp>
       <p:sp>
         <p:nvSpPr>
-          <p:cNvPr id="202" name="由于希尔排序是基于比较的排序，所以大数的希尔排序与普通的希尔排序基本一样。…"/>
+          <p:cNvPr id="203" name="由于希尔排序是基于比较的排序，所以大数的希尔排序与普通的希尔排序基本一样。…"/>
           <p:cNvSpPr txBox="1"/>
           <p:nvPr>
             <p:ph type="body" sz="half" idx="4294967295"/>
@@ -4894,7 +4945,7 @@
       </p:sp>
       <p:pic>
         <p:nvPicPr>
-          <p:cNvPr id="203" name="图片 5" descr="图片 5"/>
+          <p:cNvPr id="204" name="图片 5" descr="图片 5"/>
           <p:cNvPicPr>
             <a:picLocks noChangeAspect="1"/>
           </p:cNvPicPr>
@@ -4949,7 +5000,7 @@
       </p:grpSpPr>
       <p:sp>
         <p:nvSpPr>
-          <p:cNvPr id="205" name="3.5、大数基数排序"/>
+          <p:cNvPr id="206" name="3.5、大数基数排序"/>
           <p:cNvSpPr txBox="1"/>
           <p:nvPr>
             <p:ph type="title" idx="4294967295"/>
@@ -4989,7 +5040,7 @@
       </p:sp>
       <p:sp>
         <p:nvSpPr>
-          <p:cNvPr id="206" name="由于基数排序不是基于比较的排序，所以大数的基数排序与普通的基数排序基本差别较大，但都是通过比较数的各位上的值来进行排序的。…"/>
+          <p:cNvPr id="207" name="由于基数排序不是基于比较的排序，所以大数的基数排序与普通的基数排序基本差别较大，但都是通过比较数的各位上的值来进行排序的。…"/>
           <p:cNvSpPr txBox="1"/>
           <p:nvPr>
             <p:ph type="body" idx="4294967295"/>
@@ -5116,7 +5167,7 @@
       </p:sp>
       <p:pic>
         <p:nvPicPr>
-          <p:cNvPr id="207" name="图片 5" descr="图片 5"/>
+          <p:cNvPr id="208" name="图片 5" descr="图片 5"/>
           <p:cNvPicPr>
             <a:picLocks noChangeAspect="1"/>
           </p:cNvPicPr>
@@ -5171,7 +5222,7 @@
       </p:grpSpPr>
       <p:sp>
         <p:nvSpPr>
-          <p:cNvPr id="163" name="1.1、选择排序"/>
+          <p:cNvPr id="164" name="1.1、选择排序"/>
           <p:cNvSpPr txBox="1"/>
           <p:nvPr>
             <p:ph type="title"/>
@@ -5203,7 +5254,7 @@
       </p:sp>
       <p:sp>
         <p:nvSpPr>
-          <p:cNvPr id="164" name="实现原理如下：…"/>
+          <p:cNvPr id="165" name="实现原理如下：…"/>
           <p:cNvSpPr txBox="1"/>
           <p:nvPr/>
         </p:nvSpPr>
@@ -5662,7 +5713,7 @@
       </p:grpSpPr>
       <p:sp>
         <p:nvSpPr>
-          <p:cNvPr id="166" name="1.2、归并排序"/>
+          <p:cNvPr id="167" name="1.2、归并排序"/>
           <p:cNvSpPr txBox="1"/>
           <p:nvPr>
             <p:ph type="title"/>
@@ -5694,7 +5745,7 @@
       </p:sp>
       <p:sp>
         <p:nvSpPr>
-          <p:cNvPr id="167" name="实现原理如下：…"/>
+          <p:cNvPr id="168" name="实现原理如下：…"/>
           <p:cNvSpPr txBox="1"/>
           <p:nvPr/>
         </p:nvSpPr>
@@ -5923,7 +5974,7 @@
       </p:grpSpPr>
       <p:sp>
         <p:nvSpPr>
-          <p:cNvPr id="169" name="1.3、快速排序"/>
+          <p:cNvPr id="170" name="1.3、快速排序"/>
           <p:cNvSpPr txBox="1"/>
           <p:nvPr>
             <p:ph type="title"/>
@@ -5955,7 +6006,7 @@
       </p:sp>
       <p:sp>
         <p:nvSpPr>
-          <p:cNvPr id="170" name="实现原理如下：…"/>
+          <p:cNvPr id="171" name="实现原理如下：…"/>
           <p:cNvSpPr txBox="1"/>
           <p:nvPr/>
         </p:nvSpPr>
@@ -6184,7 +6235,7 @@
       </p:grpSpPr>
       <p:sp>
         <p:nvSpPr>
-          <p:cNvPr id="172" name="1.4、希尔排序"/>
+          <p:cNvPr id="173" name="1.4、希尔排序"/>
           <p:cNvSpPr txBox="1"/>
           <p:nvPr>
             <p:ph type="title" idx="4294967295"/>
@@ -6221,7 +6272,7 @@
       </p:sp>
       <p:sp>
         <p:nvSpPr>
-          <p:cNvPr id="173" name="实现原理如下：…"/>
+          <p:cNvPr id="174" name="实现原理如下：…"/>
           <p:cNvSpPr txBox="1"/>
           <p:nvPr/>
         </p:nvSpPr>
@@ -6617,7 +6668,7 @@
       </p:grpSpPr>
       <p:sp>
         <p:nvSpPr>
-          <p:cNvPr id="175" name="1.5、基数排序"/>
+          <p:cNvPr id="176" name="1.5、基数排序"/>
           <p:cNvSpPr txBox="1"/>
           <p:nvPr>
             <p:ph type="title" idx="4294967295"/>
@@ -6654,7 +6705,7 @@
       </p:sp>
       <p:sp>
         <p:nvSpPr>
-          <p:cNvPr id="176" name="实现原理如下：…"/>
+          <p:cNvPr id="177" name="实现原理如下：…"/>
           <p:cNvSpPr txBox="1"/>
           <p:nvPr/>
         </p:nvSpPr>
@@ -6929,7 +6980,7 @@
       </p:grpSpPr>
       <p:sp>
         <p:nvSpPr>
-          <p:cNvPr id="178" name="2.1、分布式排序"/>
+          <p:cNvPr id="179" name="2.1、分布式排序"/>
           <p:cNvSpPr txBox="1"/>
           <p:nvPr>
             <p:ph type="title" idx="4294967295"/>
@@ -6966,7 +7017,7 @@
       </p:sp>
       <p:pic>
         <p:nvPicPr>
-          <p:cNvPr id="179" name="图像" descr="图像"/>
+          <p:cNvPr id="180" name="图像" descr="图像"/>
           <p:cNvPicPr>
             <a:picLocks noChangeAspect="1"/>
           </p:cNvPicPr>
@@ -6995,7 +7046,7 @@
       </p:pic>
       <p:sp>
         <p:nvSpPr>
-          <p:cNvPr id="180" name="上图为分布式实现方法，第一个参数nums为待排序的数组，第二个参数为数组长度，第三个参数为排序算法。…"/>
+          <p:cNvPr id="181" name="上图为分布式实现方法，第一个参数nums为待排序的数组，第二个参数为数组长度，第三个参数为排序算法。…"/>
           <p:cNvSpPr txBox="1"/>
           <p:nvPr/>
         </p:nvSpPr>
@@ -7180,7 +7231,7 @@
       </p:grpSpPr>
       <p:sp>
         <p:nvSpPr>
-          <p:cNvPr id="182" name="2.2、分布式排序总结"/>
+          <p:cNvPr id="183" name="2.2、分布式排序总结"/>
           <p:cNvSpPr txBox="1"/>
           <p:nvPr>
             <p:ph type="title" idx="4294967295"/>
@@ -7217,7 +7268,7 @@
       </p:sp>
       <p:sp>
         <p:nvSpPr>
-          <p:cNvPr id="183" name="分析：…"/>
+          <p:cNvPr id="184" name="分析：…"/>
           <p:cNvSpPr txBox="1"/>
           <p:nvPr/>
         </p:nvSpPr>
@@ -7383,7 +7434,7 @@
       </p:grpSpPr>
       <p:sp>
         <p:nvSpPr>
-          <p:cNvPr id="185" name="标题 1"/>
+          <p:cNvPr id="186" name="标题 1"/>
           <p:cNvSpPr txBox="1"/>
           <p:nvPr>
             <p:ph type="title"/>
@@ -7420,7 +7471,7 @@
       </p:sp>
       <p:sp>
         <p:nvSpPr>
-          <p:cNvPr id="186" name="副标题 2"/>
+          <p:cNvPr id="187" name="副标题 2"/>
           <p:cNvSpPr txBox="1"/>
           <p:nvPr>
             <p:ph type="body" idx="1"/>
@@ -7537,7 +7588,7 @@
       </p:sp>
       <p:sp>
         <p:nvSpPr>
-          <p:cNvPr id="187" name="副标题 2"/>
+          <p:cNvPr id="188" name="副标题 2"/>
           <p:cNvSpPr txBox="1"/>
           <p:nvPr/>
         </p:nvSpPr>
